--- a/2_Statistical_modelling_I:Introduction/notes/Probability cheatsheet.pptx
+++ b/2_Statistical_modelling_I:Introduction/notes/Probability cheatsheet.pptx
@@ -104,6 +104,11 @@
       </a:defRPr>
     </a:lvl9pPr>
   </p:defaultTextStyle>
+  <p:extLst>
+    <p:ext uri="{EFAFB233-063F-42B5-8137-9DF3F51BA10A}">
+      <p15:sldGuideLst xmlns:p15="http://schemas.microsoft.com/office/powerpoint/2012/main"/>
+    </p:ext>
+  </p:extLst>
 </p:presentation>
 </file>
 
@@ -238,7 +243,7 @@
           <a:p>
             <a:fld id="{03CE8FB2-2B90-3840-B37D-15F658754FD9}" type="datetimeFigureOut">
               <a:rPr lang="en-US" smtClean="0"/>
-              <a:t>11/6/20</a:t>
+              <a:t>11/8/20</a:t>
             </a:fld>
             <a:endParaRPr lang="en-US"/>
           </a:p>
@@ -408,7 +413,7 @@
           <a:p>
             <a:fld id="{03CE8FB2-2B90-3840-B37D-15F658754FD9}" type="datetimeFigureOut">
               <a:rPr lang="en-US" smtClean="0"/>
-              <a:t>11/6/20</a:t>
+              <a:t>11/8/20</a:t>
             </a:fld>
             <a:endParaRPr lang="en-US"/>
           </a:p>
@@ -588,7 +593,7 @@
           <a:p>
             <a:fld id="{03CE8FB2-2B90-3840-B37D-15F658754FD9}" type="datetimeFigureOut">
               <a:rPr lang="en-US" smtClean="0"/>
-              <a:t>11/6/20</a:t>
+              <a:t>11/8/20</a:t>
             </a:fld>
             <a:endParaRPr lang="en-US"/>
           </a:p>
@@ -758,7 +763,7 @@
           <a:p>
             <a:fld id="{03CE8FB2-2B90-3840-B37D-15F658754FD9}" type="datetimeFigureOut">
               <a:rPr lang="en-US" smtClean="0"/>
-              <a:t>11/6/20</a:t>
+              <a:t>11/8/20</a:t>
             </a:fld>
             <a:endParaRPr lang="en-US"/>
           </a:p>
@@ -1002,7 +1007,7 @@
           <a:p>
             <a:fld id="{03CE8FB2-2B90-3840-B37D-15F658754FD9}" type="datetimeFigureOut">
               <a:rPr lang="en-US" smtClean="0"/>
-              <a:t>11/6/20</a:t>
+              <a:t>11/8/20</a:t>
             </a:fld>
             <a:endParaRPr lang="en-US"/>
           </a:p>
@@ -1234,7 +1239,7 @@
           <a:p>
             <a:fld id="{03CE8FB2-2B90-3840-B37D-15F658754FD9}" type="datetimeFigureOut">
               <a:rPr lang="en-US" smtClean="0"/>
-              <a:t>11/6/20</a:t>
+              <a:t>11/8/20</a:t>
             </a:fld>
             <a:endParaRPr lang="en-US"/>
           </a:p>
@@ -1601,7 +1606,7 @@
           <a:p>
             <a:fld id="{03CE8FB2-2B90-3840-B37D-15F658754FD9}" type="datetimeFigureOut">
               <a:rPr lang="en-US" smtClean="0"/>
-              <a:t>11/6/20</a:t>
+              <a:t>11/8/20</a:t>
             </a:fld>
             <a:endParaRPr lang="en-US"/>
           </a:p>
@@ -1719,7 +1724,7 @@
           <a:p>
             <a:fld id="{03CE8FB2-2B90-3840-B37D-15F658754FD9}" type="datetimeFigureOut">
               <a:rPr lang="en-US" smtClean="0"/>
-              <a:t>11/6/20</a:t>
+              <a:t>11/8/20</a:t>
             </a:fld>
             <a:endParaRPr lang="en-US"/>
           </a:p>
@@ -1814,7 +1819,7 @@
           <a:p>
             <a:fld id="{03CE8FB2-2B90-3840-B37D-15F658754FD9}" type="datetimeFigureOut">
               <a:rPr lang="en-US" smtClean="0"/>
-              <a:t>11/6/20</a:t>
+              <a:t>11/8/20</a:t>
             </a:fld>
             <a:endParaRPr lang="en-US"/>
           </a:p>
@@ -2091,7 +2096,7 @@
           <a:p>
             <a:fld id="{03CE8FB2-2B90-3840-B37D-15F658754FD9}" type="datetimeFigureOut">
               <a:rPr lang="en-US" smtClean="0"/>
-              <a:t>11/6/20</a:t>
+              <a:t>11/8/20</a:t>
             </a:fld>
             <a:endParaRPr lang="en-US"/>
           </a:p>
@@ -2348,7 +2353,7 @@
           <a:p>
             <a:fld id="{03CE8FB2-2B90-3840-B37D-15F658754FD9}" type="datetimeFigureOut">
               <a:rPr lang="en-US" smtClean="0"/>
-              <a:t>11/6/20</a:t>
+              <a:t>11/8/20</a:t>
             </a:fld>
             <a:endParaRPr lang="en-US"/>
           </a:p>
@@ -2561,7 +2566,7 @@
           <a:p>
             <a:fld id="{03CE8FB2-2B90-3840-B37D-15F658754FD9}" type="datetimeFigureOut">
               <a:rPr lang="en-US" smtClean="0"/>
-              <a:t>11/6/20</a:t>
+              <a:t>11/8/20</a:t>
             </a:fld>
             <a:endParaRPr lang="en-US"/>
           </a:p>
@@ -3020,1246 +3025,6 @@
       </p:sp>
       <p:sp>
         <p:nvSpPr>
-          <p:cNvPr id="5" name="TextBox 4">
-            <a:extLst>
-              <a:ext uri="{FF2B5EF4-FFF2-40B4-BE49-F238E27FC236}">
-                <a16:creationId xmlns:a16="http://schemas.microsoft.com/office/drawing/2014/main" id="{EBDA2859-F67B-2547-BE5D-0675D68319BD}"/>
-              </a:ext>
-            </a:extLst>
-          </p:cNvPr>
-          <p:cNvSpPr txBox="1"/>
-          <p:nvPr/>
-        </p:nvSpPr>
-        <p:spPr>
-          <a:xfrm>
-            <a:off x="350520" y="829031"/>
-            <a:ext cx="2403222" cy="307777"/>
-          </a:xfrm>
-          <a:prstGeom prst="rect">
-            <a:avLst/>
-          </a:prstGeom>
-          <a:noFill/>
-        </p:spPr>
-        <p:txBody>
-          <a:bodyPr wrap="none" rtlCol="0">
-            <a:spAutoFit/>
-          </a:bodyPr>
-          <a:lstStyle/>
-          <a:p>
-            <a:r>
-              <a:rPr lang="en-US" sz="1400" dirty="0">
-                <a:latin typeface="FoundrySterling-Book" pitchFamily="2" charset="0"/>
-              </a:rPr>
-              <a:t>1. </a:t>
-            </a:r>
-            <a:r>
-              <a:rPr lang="en-US" sz="1400" b="1" dirty="0">
-                <a:latin typeface="FoundrySterling-Book" pitchFamily="2" charset="0"/>
-              </a:rPr>
-              <a:t>All probability is conditional</a:t>
-            </a:r>
-            <a:r>
-              <a:rPr lang="en-US" sz="1400" dirty="0">
-                <a:latin typeface="FoundrySterling-Book" pitchFamily="2" charset="0"/>
-              </a:rPr>
-              <a:t>:</a:t>
-            </a:r>
-          </a:p>
-        </p:txBody>
-      </p:sp>
-      <p:grpSp>
-        <p:nvGrpSpPr>
-          <p:cNvPr id="26" name="Group 25">
-            <a:extLst>
-              <a:ext uri="{FF2B5EF4-FFF2-40B4-BE49-F238E27FC236}">
-                <a16:creationId xmlns:a16="http://schemas.microsoft.com/office/drawing/2014/main" id="{1F6C7026-B795-4043-B27C-23BBB8B4A3B0}"/>
-              </a:ext>
-            </a:extLst>
-          </p:cNvPr>
-          <p:cNvGrpSpPr/>
-          <p:nvPr/>
-        </p:nvGrpSpPr>
-        <p:grpSpPr>
-          <a:xfrm>
-            <a:off x="1701495" y="1323985"/>
-            <a:ext cx="3595856" cy="512475"/>
-            <a:chOff x="1701622" y="1805373"/>
-            <a:chExt cx="3595856" cy="512475"/>
-          </a:xfrm>
-        </p:grpSpPr>
-        <mc:AlternateContent xmlns:mc="http://schemas.openxmlformats.org/markup-compatibility/2006">
-          <mc:Choice xmlns:a14="http://schemas.microsoft.com/office/drawing/2010/main" Requires="a14">
-            <p:sp>
-              <p:nvSpPr>
-                <p:cNvPr id="6" name="TextBox 5">
-                  <a:extLst>
-                    <a:ext uri="{FF2B5EF4-FFF2-40B4-BE49-F238E27FC236}">
-                      <a16:creationId xmlns:a16="http://schemas.microsoft.com/office/drawing/2014/main" id="{34AF6BBE-F123-F942-9490-B08E64C41433}"/>
-                    </a:ext>
-                  </a:extLst>
-                </p:cNvPr>
-                <p:cNvSpPr txBox="1"/>
-                <p:nvPr/>
-              </p:nvSpPr>
-              <p:spPr>
-                <a:xfrm>
-                  <a:off x="1944104" y="1851540"/>
-                  <a:ext cx="425501" cy="215444"/>
-                </a:xfrm>
-                <a:prstGeom prst="rect">
-                  <a:avLst/>
-                </a:prstGeom>
-                <a:noFill/>
-              </p:spPr>
-              <p:txBody>
-                <a:bodyPr wrap="none" lIns="0" tIns="0" rIns="0" bIns="0" rtlCol="0">
-                  <a:spAutoFit/>
-                </a:bodyPr>
-                <a:lstStyle/>
-                <a:p>
-                  <a14:m>
-                    <m:oMathPara xmlns:m="http://schemas.openxmlformats.org/officeDocument/2006/math">
-                      <m:oMathParaPr>
-                        <m:jc m:val="centerGroup"/>
-                      </m:oMathParaPr>
-                      <m:oMath xmlns:m="http://schemas.openxmlformats.org/officeDocument/2006/math">
-                        <m:r>
-                          <a:rPr lang="en-GB" sz="1400" b="0" i="1" smtClean="0">
-                            <a:latin typeface="Cambria Math" panose="02040503050406030204" pitchFamily="18" charset="0"/>
-                          </a:rPr>
-                          <m:t>𝑃</m:t>
-                        </m:r>
-                        <m:r>
-                          <a:rPr lang="en-GB" sz="1400" b="0" i="1" smtClean="0">
-                            <a:latin typeface="Cambria Math" panose="02040503050406030204" pitchFamily="18" charset="0"/>
-                          </a:rPr>
-                          <m:t>(</m:t>
-                        </m:r>
-                        <m:r>
-                          <a:rPr lang="en-GB" sz="1400" b="0" i="1" smtClean="0">
-                            <a:latin typeface="Cambria Math" panose="02040503050406030204" pitchFamily="18" charset="0"/>
-                          </a:rPr>
-                          <m:t>𝑋</m:t>
-                        </m:r>
-                        <m:r>
-                          <a:rPr lang="en-GB" sz="1400" b="0" i="1" smtClean="0">
-                            <a:latin typeface="Cambria Math" panose="02040503050406030204" pitchFamily="18" charset="0"/>
-                          </a:rPr>
-                          <m:t>)</m:t>
-                        </m:r>
-                      </m:oMath>
-                    </m:oMathPara>
-                  </a14:m>
-                  <a:endParaRPr lang="en-US" sz="1400" dirty="0">
-                    <a:latin typeface="FoundrySterling-Book" pitchFamily="2" charset="0"/>
-                  </a:endParaRPr>
-                </a:p>
-              </p:txBody>
-            </p:sp>
-          </mc:Choice>
-          <mc:Fallback>
-            <p:sp>
-              <p:nvSpPr>
-                <p:cNvPr id="6" name="TextBox 5">
-                  <a:extLst>
-                    <a:ext uri="{FF2B5EF4-FFF2-40B4-BE49-F238E27FC236}">
-                      <a16:creationId xmlns:a16="http://schemas.microsoft.com/office/drawing/2014/main" id="{34AF6BBE-F123-F942-9490-B08E64C41433}"/>
-                    </a:ext>
-                  </a:extLst>
-                </p:cNvPr>
-                <p:cNvSpPr txBox="1">
-                  <a:spLocks noRot="1" noChangeAspect="1" noMove="1" noResize="1" noEditPoints="1" noAdjustHandles="1" noChangeArrowheads="1" noChangeShapeType="1" noTextEdit="1"/>
-                </p:cNvSpPr>
-                <p:nvPr/>
-              </p:nvSpPr>
-              <p:spPr>
-                <a:xfrm>
-                  <a:off x="1944104" y="1851540"/>
-                  <a:ext cx="425501" cy="215444"/>
-                </a:xfrm>
-                <a:prstGeom prst="rect">
-                  <a:avLst/>
-                </a:prstGeom>
-                <a:blipFill>
-                  <a:blip r:embed="rId2"/>
-                  <a:stretch>
-                    <a:fillRect l="-8824" t="-5882" r="-14706" b="-35294"/>
-                  </a:stretch>
-                </a:blipFill>
-              </p:spPr>
-              <p:txBody>
-                <a:bodyPr/>
-                <a:lstStyle/>
-                <a:p>
-                  <a:r>
-                    <a:rPr lang="en-US">
-                      <a:noFill/>
-                    </a:rPr>
-                    <a:t> </a:t>
-                  </a:r>
-                </a:p>
-              </p:txBody>
-            </p:sp>
-          </mc:Fallback>
-        </mc:AlternateContent>
-        <p:sp>
-          <p:nvSpPr>
-            <p:cNvPr id="7" name="TextBox 6">
-              <a:extLst>
-                <a:ext uri="{FF2B5EF4-FFF2-40B4-BE49-F238E27FC236}">
-                  <a16:creationId xmlns:a16="http://schemas.microsoft.com/office/drawing/2014/main" id="{CC143C6B-98A6-CE4A-9FCC-B537B1CC37E6}"/>
-                </a:ext>
-              </a:extLst>
-            </p:cNvPr>
-            <p:cNvSpPr txBox="1"/>
-            <p:nvPr/>
-          </p:nvSpPr>
-          <p:spPr>
-            <a:xfrm>
-              <a:off x="2667413" y="1805373"/>
-              <a:ext cx="1202573" cy="307777"/>
-            </a:xfrm>
-            <a:prstGeom prst="rect">
-              <a:avLst/>
-            </a:prstGeom>
-            <a:noFill/>
-          </p:spPr>
-          <p:txBody>
-            <a:bodyPr wrap="none" rtlCol="0">
-              <a:spAutoFit/>
-            </a:bodyPr>
-            <a:lstStyle/>
-            <a:p>
-              <a:r>
-                <a:rPr lang="en-US" sz="1400" dirty="0">
-                  <a:latin typeface="FoundrySterling-Book" pitchFamily="2" charset="0"/>
-                  <a:ea typeface="Verdana" panose="020B0604030504040204" pitchFamily="34" charset="0"/>
-                  <a:cs typeface="Verdana" panose="020B0604030504040204" pitchFamily="34" charset="0"/>
-                </a:rPr>
-                <a:t>always means</a:t>
-              </a:r>
-            </a:p>
-          </p:txBody>
-        </p:sp>
-        <mc:AlternateContent xmlns:mc="http://schemas.openxmlformats.org/markup-compatibility/2006">
-          <mc:Choice xmlns:a14="http://schemas.microsoft.com/office/drawing/2010/main" Requires="a14">
-            <p:sp>
-              <p:nvSpPr>
-                <p:cNvPr id="8" name="TextBox 7">
-                  <a:extLst>
-                    <a:ext uri="{FF2B5EF4-FFF2-40B4-BE49-F238E27FC236}">
-                      <a16:creationId xmlns:a16="http://schemas.microsoft.com/office/drawing/2014/main" id="{CE21B7C8-AC15-2044-BE0E-0E365116CC70}"/>
-                    </a:ext>
-                  </a:extLst>
-                </p:cNvPr>
-                <p:cNvSpPr txBox="1"/>
-                <p:nvPr/>
-              </p:nvSpPr>
-              <p:spPr>
-                <a:xfrm>
-                  <a:off x="4359282" y="1851540"/>
-                  <a:ext cx="596894" cy="215444"/>
-                </a:xfrm>
-                <a:prstGeom prst="rect">
-                  <a:avLst/>
-                </a:prstGeom>
-                <a:noFill/>
-              </p:spPr>
-              <p:txBody>
-                <a:bodyPr wrap="none" lIns="0" tIns="0" rIns="0" bIns="0" rtlCol="0">
-                  <a:spAutoFit/>
-                </a:bodyPr>
-                <a:lstStyle/>
-                <a:p>
-                  <a14:m>
-                    <m:oMathPara xmlns:m="http://schemas.openxmlformats.org/officeDocument/2006/math">
-                      <m:oMathParaPr>
-                        <m:jc m:val="centerGroup"/>
-                      </m:oMathParaPr>
-                      <m:oMath xmlns:m="http://schemas.openxmlformats.org/officeDocument/2006/math">
-                        <m:r>
-                          <a:rPr lang="en-GB" sz="1400" b="0" i="1" smtClean="0">
-                            <a:latin typeface="Cambria Math" panose="02040503050406030204" pitchFamily="18" charset="0"/>
-                          </a:rPr>
-                          <m:t>𝑃</m:t>
-                        </m:r>
-                        <m:r>
-                          <a:rPr lang="en-GB" sz="1400" b="0" i="1" smtClean="0">
-                            <a:latin typeface="Cambria Math" panose="02040503050406030204" pitchFamily="18" charset="0"/>
-                          </a:rPr>
-                          <m:t>(</m:t>
-                        </m:r>
-                        <m:r>
-                          <a:rPr lang="en-GB" sz="1400" b="0" i="1" smtClean="0">
-                            <a:latin typeface="Cambria Math" panose="02040503050406030204" pitchFamily="18" charset="0"/>
-                          </a:rPr>
-                          <m:t>𝑋</m:t>
-                        </m:r>
-                        <m:r>
-                          <a:rPr lang="en-GB" sz="1400" b="0" i="1" smtClean="0">
-                            <a:latin typeface="Cambria Math" panose="02040503050406030204" pitchFamily="18" charset="0"/>
-                          </a:rPr>
-                          <m:t>|</m:t>
-                        </m:r>
-                        <m:r>
-                          <a:rPr lang="en-GB" sz="1400" b="0" i="1" smtClean="0">
-                            <a:latin typeface="Cambria Math" panose="02040503050406030204" pitchFamily="18" charset="0"/>
-                          </a:rPr>
-                          <m:t>𝐶</m:t>
-                        </m:r>
-                        <m:r>
-                          <a:rPr lang="en-GB" sz="1400" b="0" i="1" smtClean="0">
-                            <a:latin typeface="Cambria Math" panose="02040503050406030204" pitchFamily="18" charset="0"/>
-                          </a:rPr>
-                          <m:t>)</m:t>
-                        </m:r>
-                      </m:oMath>
-                    </m:oMathPara>
-                  </a14:m>
-                  <a:endParaRPr lang="en-US" sz="1400" dirty="0">
-                    <a:latin typeface="FoundrySterling-Book" pitchFamily="2" charset="0"/>
-                  </a:endParaRPr>
-                </a:p>
-              </p:txBody>
-            </p:sp>
-          </mc:Choice>
-          <mc:Fallback>
-            <p:sp>
-              <p:nvSpPr>
-                <p:cNvPr id="8" name="TextBox 7">
-                  <a:extLst>
-                    <a:ext uri="{FF2B5EF4-FFF2-40B4-BE49-F238E27FC236}">
-                      <a16:creationId xmlns:a16="http://schemas.microsoft.com/office/drawing/2014/main" id="{CE21B7C8-AC15-2044-BE0E-0E365116CC70}"/>
-                    </a:ext>
-                  </a:extLst>
-                </p:cNvPr>
-                <p:cNvSpPr txBox="1">
-                  <a:spLocks noRot="1" noChangeAspect="1" noMove="1" noResize="1" noEditPoints="1" noAdjustHandles="1" noChangeArrowheads="1" noChangeShapeType="1" noTextEdit="1"/>
-                </p:cNvSpPr>
-                <p:nvPr/>
-              </p:nvSpPr>
-              <p:spPr>
-                <a:xfrm>
-                  <a:off x="4359282" y="1851540"/>
-                  <a:ext cx="596894" cy="215444"/>
-                </a:xfrm>
-                <a:prstGeom prst="rect">
-                  <a:avLst/>
-                </a:prstGeom>
-                <a:blipFill>
-                  <a:blip r:embed="rId3"/>
-                  <a:stretch>
-                    <a:fillRect l="-6250" t="-5882" r="-10417" b="-35294"/>
-                  </a:stretch>
-                </a:blipFill>
-              </p:spPr>
-              <p:txBody>
-                <a:bodyPr/>
-                <a:lstStyle/>
-                <a:p>
-                  <a:r>
-                    <a:rPr lang="en-US">
-                      <a:noFill/>
-                    </a:rPr>
-                    <a:t> </a:t>
-                  </a:r>
-                </a:p>
-              </p:txBody>
-            </p:sp>
-          </mc:Fallback>
-        </mc:AlternateContent>
-        <p:sp>
-          <p:nvSpPr>
-            <p:cNvPr id="9" name="TextBox 8">
-              <a:extLst>
-                <a:ext uri="{FF2B5EF4-FFF2-40B4-BE49-F238E27FC236}">
-                  <a16:creationId xmlns:a16="http://schemas.microsoft.com/office/drawing/2014/main" id="{C61FBC11-DA25-E147-9115-5434F9878814}"/>
-                </a:ext>
-              </a:extLst>
-            </p:cNvPr>
-            <p:cNvSpPr txBox="1"/>
-            <p:nvPr/>
-          </p:nvSpPr>
-          <p:spPr>
-            <a:xfrm>
-              <a:off x="1701622" y="2102404"/>
-              <a:ext cx="889987" cy="215444"/>
-            </a:xfrm>
-            <a:prstGeom prst="rect">
-              <a:avLst/>
-            </a:prstGeom>
-            <a:noFill/>
-          </p:spPr>
-          <p:txBody>
-            <a:bodyPr wrap="none" rtlCol="0">
-              <a:spAutoFit/>
-            </a:bodyPr>
-            <a:lstStyle/>
-            <a:p>
-              <a:r>
-                <a:rPr lang="en-US" sz="800" dirty="0">
-                  <a:solidFill>
-                    <a:srgbClr val="FF0000"/>
-                  </a:solidFill>
-                  <a:latin typeface="FoundrySterling-Book" pitchFamily="2" charset="0"/>
-                </a:rPr>
-                <a:t>“probability of X”</a:t>
-              </a:r>
-            </a:p>
-          </p:txBody>
-        </p:sp>
-        <p:sp>
-          <p:nvSpPr>
-            <p:cNvPr id="10" name="TextBox 9">
-              <a:extLst>
-                <a:ext uri="{FF2B5EF4-FFF2-40B4-BE49-F238E27FC236}">
-                  <a16:creationId xmlns:a16="http://schemas.microsoft.com/office/drawing/2014/main" id="{AFC4575A-84D3-DE45-A1CF-6521A5339E43}"/>
-                </a:ext>
-              </a:extLst>
-            </p:cNvPr>
-            <p:cNvSpPr txBox="1"/>
-            <p:nvPr/>
-          </p:nvSpPr>
-          <p:spPr>
-            <a:xfrm>
-              <a:off x="4066051" y="2101474"/>
-              <a:ext cx="1231427" cy="215444"/>
-            </a:xfrm>
-            <a:prstGeom prst="rect">
-              <a:avLst/>
-            </a:prstGeom>
-            <a:noFill/>
-          </p:spPr>
-          <p:txBody>
-            <a:bodyPr wrap="none" rtlCol="0">
-              <a:spAutoFit/>
-            </a:bodyPr>
-            <a:lstStyle/>
-            <a:p>
-              <a:r>
-                <a:rPr lang="en-US" sz="800" dirty="0">
-                  <a:solidFill>
-                    <a:srgbClr val="FF0000"/>
-                  </a:solidFill>
-                  <a:latin typeface="FoundrySterling-Book" pitchFamily="2" charset="0"/>
-                </a:rPr>
-                <a:t>“probability of X given C”</a:t>
-              </a:r>
-            </a:p>
-          </p:txBody>
-        </p:sp>
-      </p:grpSp>
-      <p:sp>
-        <p:nvSpPr>
-          <p:cNvPr id="11" name="TextBox 10">
-            <a:extLst>
-              <a:ext uri="{FF2B5EF4-FFF2-40B4-BE49-F238E27FC236}">
-                <a16:creationId xmlns:a16="http://schemas.microsoft.com/office/drawing/2014/main" id="{1720175F-1E12-6545-B347-08FE067A0D32}"/>
-              </a:ext>
-            </a:extLst>
-          </p:cNvPr>
-          <p:cNvSpPr txBox="1"/>
-          <p:nvPr/>
-        </p:nvSpPr>
-        <p:spPr>
-          <a:xfrm>
-            <a:off x="446607" y="1980520"/>
-            <a:ext cx="5954193" cy="492443"/>
-          </a:xfrm>
-          <a:prstGeom prst="rect">
-            <a:avLst/>
-          </a:prstGeom>
-          <a:noFill/>
-        </p:spPr>
-        <p:txBody>
-          <a:bodyPr wrap="square" rtlCol="0">
-            <a:spAutoFit/>
-          </a:bodyPr>
-          <a:lstStyle/>
-          <a:p>
-            <a:r>
-              <a:rPr lang="en-US" sz="1400" dirty="0">
-                <a:latin typeface="FoundrySterling-Book" pitchFamily="2" charset="0"/>
-                <a:ea typeface="Verdana" panose="020B0604030504040204" pitchFamily="34" charset="0"/>
-                <a:cs typeface="Verdana" panose="020B0604030504040204" pitchFamily="34" charset="0"/>
-              </a:rPr>
-              <a:t>where C represents background information (i.e. a model).</a:t>
-            </a:r>
-          </a:p>
-          <a:p>
-            <a:r>
-              <a:rPr lang="en-US" sz="1200" dirty="0">
-                <a:solidFill>
-                  <a:srgbClr val="FF0000"/>
-                </a:solidFill>
-                <a:latin typeface="FoundrySterling-Book" pitchFamily="2" charset="0"/>
-                <a:ea typeface="Verdana" panose="020B0604030504040204" pitchFamily="34" charset="0"/>
-                <a:cs typeface="Verdana" panose="020B0604030504040204" pitchFamily="34" charset="0"/>
-              </a:rPr>
-              <a:t>C is often dropped from notation but is </a:t>
-            </a:r>
-            <a:r>
-              <a:rPr lang="en-US" sz="1200" u="sng" dirty="0">
-                <a:solidFill>
-                  <a:srgbClr val="FF0000"/>
-                </a:solidFill>
-                <a:latin typeface="FoundrySterling-Book" pitchFamily="2" charset="0"/>
-                <a:ea typeface="Verdana" panose="020B0604030504040204" pitchFamily="34" charset="0"/>
-                <a:cs typeface="Verdana" panose="020B0604030504040204" pitchFamily="34" charset="0"/>
-              </a:rPr>
-              <a:t>always there</a:t>
-            </a:r>
-            <a:r>
-              <a:rPr lang="en-US" sz="1200" dirty="0">
-                <a:solidFill>
-                  <a:srgbClr val="FF0000"/>
-                </a:solidFill>
-                <a:latin typeface="FoundrySterling-Book" pitchFamily="2" charset="0"/>
-                <a:ea typeface="Verdana" panose="020B0604030504040204" pitchFamily="34" charset="0"/>
-                <a:cs typeface="Verdana" panose="020B0604030504040204" pitchFamily="34" charset="0"/>
-              </a:rPr>
-              <a:t>.</a:t>
-            </a:r>
-          </a:p>
-        </p:txBody>
-      </p:sp>
-      <p:sp>
-        <p:nvSpPr>
-          <p:cNvPr id="27" name="TextBox 26">
-            <a:extLst>
-              <a:ext uri="{FF2B5EF4-FFF2-40B4-BE49-F238E27FC236}">
-                <a16:creationId xmlns:a16="http://schemas.microsoft.com/office/drawing/2014/main" id="{F1A9BF7D-6A33-3748-85BB-2BBBCF38E913}"/>
-              </a:ext>
-            </a:extLst>
-          </p:cNvPr>
-          <p:cNvSpPr txBox="1"/>
-          <p:nvPr/>
-        </p:nvSpPr>
-        <p:spPr>
-          <a:xfrm>
-            <a:off x="511181" y="2618153"/>
-            <a:ext cx="2186088" cy="276999"/>
-          </a:xfrm>
-          <a:prstGeom prst="rect">
-            <a:avLst/>
-          </a:prstGeom>
-          <a:noFill/>
-        </p:spPr>
-        <p:txBody>
-          <a:bodyPr wrap="square" rtlCol="0">
-            <a:spAutoFit/>
-          </a:bodyPr>
-          <a:lstStyle/>
-          <a:p>
-            <a:r>
-              <a:rPr lang="en-US" sz="1200" dirty="0">
-                <a:latin typeface="FoundrySterling-Book" pitchFamily="2" charset="0"/>
-              </a:rPr>
-              <a:t>e.g. P(       | die is fair) = 1/6</a:t>
-            </a:r>
-          </a:p>
-        </p:txBody>
-      </p:sp>
-      <p:grpSp>
-        <p:nvGrpSpPr>
-          <p:cNvPr id="25" name="Group 24">
-            <a:extLst>
-              <a:ext uri="{FF2B5EF4-FFF2-40B4-BE49-F238E27FC236}">
-                <a16:creationId xmlns:a16="http://schemas.microsoft.com/office/drawing/2014/main" id="{E3578DF9-F252-C84E-9F06-A2F1A16FCB56}"/>
-              </a:ext>
-            </a:extLst>
-          </p:cNvPr>
-          <p:cNvGrpSpPr/>
-          <p:nvPr/>
-        </p:nvGrpSpPr>
-        <p:grpSpPr>
-          <a:xfrm>
-            <a:off x="1042613" y="2666132"/>
-            <a:ext cx="164879" cy="164879"/>
-            <a:chOff x="2087880" y="4312920"/>
-            <a:chExt cx="1021080" cy="1021080"/>
-          </a:xfrm>
-        </p:grpSpPr>
-        <p:sp>
-          <p:nvSpPr>
-            <p:cNvPr id="12" name="Rounded Rectangle 11">
-              <a:extLst>
-                <a:ext uri="{FF2B5EF4-FFF2-40B4-BE49-F238E27FC236}">
-                  <a16:creationId xmlns:a16="http://schemas.microsoft.com/office/drawing/2014/main" id="{5EA82D78-38C1-7846-A2A4-0D3F6A2C0DFF}"/>
-                </a:ext>
-              </a:extLst>
-            </p:cNvPr>
-            <p:cNvSpPr/>
-            <p:nvPr/>
-          </p:nvSpPr>
-          <p:spPr>
-            <a:xfrm>
-              <a:off x="2087880" y="4312920"/>
-              <a:ext cx="1021080" cy="1021080"/>
-            </a:xfrm>
-            <a:prstGeom prst="roundRect">
-              <a:avLst/>
-            </a:prstGeom>
-            <a:solidFill>
-              <a:schemeClr val="bg1"/>
-            </a:solidFill>
-            <a:ln w="9525">
-              <a:solidFill>
-                <a:schemeClr val="tx1"/>
-              </a:solidFill>
-            </a:ln>
-          </p:spPr>
-          <p:style>
-            <a:lnRef idx="2">
-              <a:schemeClr val="accent1">
-                <a:shade val="50000"/>
-              </a:schemeClr>
-            </a:lnRef>
-            <a:fillRef idx="1">
-              <a:schemeClr val="accent1"/>
-            </a:fillRef>
-            <a:effectRef idx="0">
-              <a:schemeClr val="accent1"/>
-            </a:effectRef>
-            <a:fontRef idx="minor">
-              <a:schemeClr val="lt1"/>
-            </a:fontRef>
-          </p:style>
-          <p:txBody>
-            <a:bodyPr rtlCol="0" anchor="ctr"/>
-            <a:lstStyle/>
-            <a:p>
-              <a:pPr algn="ctr"/>
-              <a:endParaRPr lang="en-US" dirty="0"/>
-            </a:p>
-          </p:txBody>
-        </p:sp>
-        <p:sp>
-          <p:nvSpPr>
-            <p:cNvPr id="16" name="Oval 15">
-              <a:extLst>
-                <a:ext uri="{FF2B5EF4-FFF2-40B4-BE49-F238E27FC236}">
-                  <a16:creationId xmlns:a16="http://schemas.microsoft.com/office/drawing/2014/main" id="{F2028935-ABFC-C64C-BC04-ADC9BB85F184}"/>
-                </a:ext>
-              </a:extLst>
-            </p:cNvPr>
-            <p:cNvSpPr/>
-            <p:nvPr/>
-          </p:nvSpPr>
-          <p:spPr>
-            <a:xfrm>
-              <a:off x="2731808" y="4474814"/>
-              <a:ext cx="167640" cy="167640"/>
-            </a:xfrm>
-            <a:prstGeom prst="ellipse">
-              <a:avLst/>
-            </a:prstGeom>
-            <a:gradFill flip="none" rotWithShape="1">
-              <a:gsLst>
-                <a:gs pos="0">
-                  <a:schemeClr val="tx1"/>
-                </a:gs>
-                <a:gs pos="91000">
-                  <a:schemeClr val="dk1">
-                    <a:tint val="44500"/>
-                    <a:satMod val="160000"/>
-                  </a:schemeClr>
-                </a:gs>
-                <a:gs pos="100000">
-                  <a:schemeClr val="bg1"/>
-                </a:gs>
-              </a:gsLst>
-              <a:path path="circle">
-                <a:fillToRect l="50000" t="50000" r="50000" b="50000"/>
-              </a:path>
-              <a:tileRect/>
-            </a:gradFill>
-            <a:ln>
-              <a:solidFill>
-                <a:schemeClr val="tx1"/>
-              </a:solidFill>
-            </a:ln>
-          </p:spPr>
-          <p:style>
-            <a:lnRef idx="2">
-              <a:schemeClr val="dk1">
-                <a:shade val="50000"/>
-              </a:schemeClr>
-            </a:lnRef>
-            <a:fillRef idx="1">
-              <a:schemeClr val="dk1"/>
-            </a:fillRef>
-            <a:effectRef idx="0">
-              <a:schemeClr val="dk1"/>
-            </a:effectRef>
-            <a:fontRef idx="minor">
-              <a:schemeClr val="lt1"/>
-            </a:fontRef>
-          </p:style>
-          <p:txBody>
-            <a:bodyPr rtlCol="0" anchor="ctr"/>
-            <a:lstStyle/>
-            <a:p>
-              <a:pPr algn="ctr"/>
-              <a:endParaRPr lang="en-US"/>
-            </a:p>
-          </p:txBody>
-        </p:sp>
-        <p:sp>
-          <p:nvSpPr>
-            <p:cNvPr id="17" name="Oval 16">
-              <a:extLst>
-                <a:ext uri="{FF2B5EF4-FFF2-40B4-BE49-F238E27FC236}">
-                  <a16:creationId xmlns:a16="http://schemas.microsoft.com/office/drawing/2014/main" id="{2BEBCB01-6F96-D44C-BE3B-07F2E8B89A94}"/>
-                </a:ext>
-              </a:extLst>
-            </p:cNvPr>
-            <p:cNvSpPr/>
-            <p:nvPr/>
-          </p:nvSpPr>
-          <p:spPr>
-            <a:xfrm>
-              <a:off x="2731808" y="4741077"/>
-              <a:ext cx="167640" cy="167640"/>
-            </a:xfrm>
-            <a:prstGeom prst="ellipse">
-              <a:avLst/>
-            </a:prstGeom>
-            <a:gradFill flip="none" rotWithShape="1">
-              <a:gsLst>
-                <a:gs pos="0">
-                  <a:schemeClr val="tx1"/>
-                </a:gs>
-                <a:gs pos="91000">
-                  <a:schemeClr val="dk1">
-                    <a:tint val="44500"/>
-                    <a:satMod val="160000"/>
-                  </a:schemeClr>
-                </a:gs>
-                <a:gs pos="100000">
-                  <a:schemeClr val="bg1"/>
-                </a:gs>
-              </a:gsLst>
-              <a:path path="circle">
-                <a:fillToRect l="50000" t="50000" r="50000" b="50000"/>
-              </a:path>
-              <a:tileRect/>
-            </a:gradFill>
-            <a:ln>
-              <a:solidFill>
-                <a:schemeClr val="tx1"/>
-              </a:solidFill>
-            </a:ln>
-          </p:spPr>
-          <p:style>
-            <a:lnRef idx="2">
-              <a:schemeClr val="dk1">
-                <a:shade val="50000"/>
-              </a:schemeClr>
-            </a:lnRef>
-            <a:fillRef idx="1">
-              <a:schemeClr val="dk1"/>
-            </a:fillRef>
-            <a:effectRef idx="0">
-              <a:schemeClr val="dk1"/>
-            </a:effectRef>
-            <a:fontRef idx="minor">
-              <a:schemeClr val="lt1"/>
-            </a:fontRef>
-          </p:style>
-          <p:txBody>
-            <a:bodyPr rtlCol="0" anchor="ctr"/>
-            <a:lstStyle/>
-            <a:p>
-              <a:pPr algn="ctr"/>
-              <a:endParaRPr lang="en-US"/>
-            </a:p>
-          </p:txBody>
-        </p:sp>
-        <p:sp>
-          <p:nvSpPr>
-            <p:cNvPr id="18" name="Oval 17">
-              <a:extLst>
-                <a:ext uri="{FF2B5EF4-FFF2-40B4-BE49-F238E27FC236}">
-                  <a16:creationId xmlns:a16="http://schemas.microsoft.com/office/drawing/2014/main" id="{70AA845C-9F1C-0C49-A40C-D744E4216680}"/>
-                </a:ext>
-              </a:extLst>
-            </p:cNvPr>
-            <p:cNvSpPr/>
-            <p:nvPr/>
-          </p:nvSpPr>
-          <p:spPr>
-            <a:xfrm>
-              <a:off x="2731808" y="5007341"/>
-              <a:ext cx="167640" cy="167640"/>
-            </a:xfrm>
-            <a:prstGeom prst="ellipse">
-              <a:avLst/>
-            </a:prstGeom>
-            <a:gradFill flip="none" rotWithShape="1">
-              <a:gsLst>
-                <a:gs pos="0">
-                  <a:schemeClr val="tx1"/>
-                </a:gs>
-                <a:gs pos="91000">
-                  <a:schemeClr val="dk1">
-                    <a:tint val="44500"/>
-                    <a:satMod val="160000"/>
-                  </a:schemeClr>
-                </a:gs>
-                <a:gs pos="100000">
-                  <a:schemeClr val="bg1"/>
-                </a:gs>
-              </a:gsLst>
-              <a:path path="circle">
-                <a:fillToRect l="50000" t="50000" r="50000" b="50000"/>
-              </a:path>
-              <a:tileRect/>
-            </a:gradFill>
-            <a:ln>
-              <a:solidFill>
-                <a:schemeClr val="tx1"/>
-              </a:solidFill>
-            </a:ln>
-          </p:spPr>
-          <p:style>
-            <a:lnRef idx="2">
-              <a:schemeClr val="dk1">
-                <a:shade val="50000"/>
-              </a:schemeClr>
-            </a:lnRef>
-            <a:fillRef idx="1">
-              <a:schemeClr val="dk1"/>
-            </a:fillRef>
-            <a:effectRef idx="0">
-              <a:schemeClr val="dk1"/>
-            </a:effectRef>
-            <a:fontRef idx="minor">
-              <a:schemeClr val="lt1"/>
-            </a:fontRef>
-          </p:style>
-          <p:txBody>
-            <a:bodyPr rtlCol="0" anchor="ctr"/>
-            <a:lstStyle/>
-            <a:p>
-              <a:pPr algn="ctr"/>
-              <a:endParaRPr lang="en-US"/>
-            </a:p>
-          </p:txBody>
-        </p:sp>
-        <p:sp>
-          <p:nvSpPr>
-            <p:cNvPr id="22" name="Oval 21">
-              <a:extLst>
-                <a:ext uri="{FF2B5EF4-FFF2-40B4-BE49-F238E27FC236}">
-                  <a16:creationId xmlns:a16="http://schemas.microsoft.com/office/drawing/2014/main" id="{CFB81C51-FC94-E840-AAED-75CC38C73166}"/>
-                </a:ext>
-              </a:extLst>
-            </p:cNvPr>
-            <p:cNvSpPr/>
-            <p:nvPr/>
-          </p:nvSpPr>
-          <p:spPr>
-            <a:xfrm>
-              <a:off x="2298592" y="4474814"/>
-              <a:ext cx="167640" cy="167640"/>
-            </a:xfrm>
-            <a:prstGeom prst="ellipse">
-              <a:avLst/>
-            </a:prstGeom>
-            <a:gradFill flip="none" rotWithShape="1">
-              <a:gsLst>
-                <a:gs pos="0">
-                  <a:schemeClr val="tx1"/>
-                </a:gs>
-                <a:gs pos="91000">
-                  <a:schemeClr val="dk1">
-                    <a:tint val="44500"/>
-                    <a:satMod val="160000"/>
-                  </a:schemeClr>
-                </a:gs>
-                <a:gs pos="100000">
-                  <a:schemeClr val="bg1"/>
-                </a:gs>
-              </a:gsLst>
-              <a:path path="circle">
-                <a:fillToRect l="50000" t="50000" r="50000" b="50000"/>
-              </a:path>
-              <a:tileRect/>
-            </a:gradFill>
-            <a:ln>
-              <a:solidFill>
-                <a:schemeClr val="tx1"/>
-              </a:solidFill>
-            </a:ln>
-          </p:spPr>
-          <p:style>
-            <a:lnRef idx="2">
-              <a:schemeClr val="dk1">
-                <a:shade val="50000"/>
-              </a:schemeClr>
-            </a:lnRef>
-            <a:fillRef idx="1">
-              <a:schemeClr val="dk1"/>
-            </a:fillRef>
-            <a:effectRef idx="0">
-              <a:schemeClr val="dk1"/>
-            </a:effectRef>
-            <a:fontRef idx="minor">
-              <a:schemeClr val="lt1"/>
-            </a:fontRef>
-          </p:style>
-          <p:txBody>
-            <a:bodyPr rtlCol="0" anchor="ctr"/>
-            <a:lstStyle/>
-            <a:p>
-              <a:pPr algn="ctr"/>
-              <a:endParaRPr lang="en-US"/>
-            </a:p>
-          </p:txBody>
-        </p:sp>
-        <p:sp>
-          <p:nvSpPr>
-            <p:cNvPr id="23" name="Oval 22">
-              <a:extLst>
-                <a:ext uri="{FF2B5EF4-FFF2-40B4-BE49-F238E27FC236}">
-                  <a16:creationId xmlns:a16="http://schemas.microsoft.com/office/drawing/2014/main" id="{686A421E-87C2-1C42-A7E4-631E2B3FEA73}"/>
-                </a:ext>
-              </a:extLst>
-            </p:cNvPr>
-            <p:cNvSpPr/>
-            <p:nvPr/>
-          </p:nvSpPr>
-          <p:spPr>
-            <a:xfrm>
-              <a:off x="2298592" y="4741077"/>
-              <a:ext cx="167640" cy="167640"/>
-            </a:xfrm>
-            <a:prstGeom prst="ellipse">
-              <a:avLst/>
-            </a:prstGeom>
-            <a:gradFill flip="none" rotWithShape="1">
-              <a:gsLst>
-                <a:gs pos="0">
-                  <a:schemeClr val="tx1"/>
-                </a:gs>
-                <a:gs pos="91000">
-                  <a:schemeClr val="dk1">
-                    <a:tint val="44500"/>
-                    <a:satMod val="160000"/>
-                  </a:schemeClr>
-                </a:gs>
-                <a:gs pos="100000">
-                  <a:schemeClr val="bg1"/>
-                </a:gs>
-              </a:gsLst>
-              <a:path path="circle">
-                <a:fillToRect l="50000" t="50000" r="50000" b="50000"/>
-              </a:path>
-              <a:tileRect/>
-            </a:gradFill>
-            <a:ln>
-              <a:solidFill>
-                <a:schemeClr val="tx1"/>
-              </a:solidFill>
-            </a:ln>
-          </p:spPr>
-          <p:style>
-            <a:lnRef idx="2">
-              <a:schemeClr val="dk1">
-                <a:shade val="50000"/>
-              </a:schemeClr>
-            </a:lnRef>
-            <a:fillRef idx="1">
-              <a:schemeClr val="dk1"/>
-            </a:fillRef>
-            <a:effectRef idx="0">
-              <a:schemeClr val="dk1"/>
-            </a:effectRef>
-            <a:fontRef idx="minor">
-              <a:schemeClr val="lt1"/>
-            </a:fontRef>
-          </p:style>
-          <p:txBody>
-            <a:bodyPr rtlCol="0" anchor="ctr"/>
-            <a:lstStyle/>
-            <a:p>
-              <a:pPr algn="ctr"/>
-              <a:endParaRPr lang="en-US"/>
-            </a:p>
-          </p:txBody>
-        </p:sp>
-        <p:sp>
-          <p:nvSpPr>
-            <p:cNvPr id="24" name="Oval 23">
-              <a:extLst>
-                <a:ext uri="{FF2B5EF4-FFF2-40B4-BE49-F238E27FC236}">
-                  <a16:creationId xmlns:a16="http://schemas.microsoft.com/office/drawing/2014/main" id="{24BA80E8-FFCF-C447-B6F9-DD691CF21E9A}"/>
-                </a:ext>
-              </a:extLst>
-            </p:cNvPr>
-            <p:cNvSpPr/>
-            <p:nvPr/>
-          </p:nvSpPr>
-          <p:spPr>
-            <a:xfrm>
-              <a:off x="2298592" y="5007341"/>
-              <a:ext cx="167640" cy="167640"/>
-            </a:xfrm>
-            <a:prstGeom prst="ellipse">
-              <a:avLst/>
-            </a:prstGeom>
-            <a:gradFill flip="none" rotWithShape="1">
-              <a:gsLst>
-                <a:gs pos="0">
-                  <a:schemeClr val="tx1"/>
-                </a:gs>
-                <a:gs pos="91000">
-                  <a:schemeClr val="dk1">
-                    <a:tint val="44500"/>
-                    <a:satMod val="160000"/>
-                  </a:schemeClr>
-                </a:gs>
-                <a:gs pos="100000">
-                  <a:schemeClr val="bg1"/>
-                </a:gs>
-              </a:gsLst>
-              <a:path path="circle">
-                <a:fillToRect l="50000" t="50000" r="50000" b="50000"/>
-              </a:path>
-              <a:tileRect/>
-            </a:gradFill>
-            <a:ln>
-              <a:solidFill>
-                <a:schemeClr val="tx1"/>
-              </a:solidFill>
-            </a:ln>
-          </p:spPr>
-          <p:style>
-            <a:lnRef idx="2">
-              <a:schemeClr val="dk1">
-                <a:shade val="50000"/>
-              </a:schemeClr>
-            </a:lnRef>
-            <a:fillRef idx="1">
-              <a:schemeClr val="dk1"/>
-            </a:fillRef>
-            <a:effectRef idx="0">
-              <a:schemeClr val="dk1"/>
-            </a:effectRef>
-            <a:fontRef idx="minor">
-              <a:schemeClr val="lt1"/>
-            </a:fontRef>
-          </p:style>
-          <p:txBody>
-            <a:bodyPr rtlCol="0" anchor="ctr"/>
-            <a:lstStyle/>
-            <a:p>
-              <a:pPr algn="ctr"/>
-              <a:endParaRPr lang="en-US"/>
-            </a:p>
-          </p:txBody>
-        </p:sp>
-      </p:grpSp>
-      <p:sp>
-        <p:nvSpPr>
-          <p:cNvPr id="29" name="TextBox 28">
-            <a:extLst>
-              <a:ext uri="{FF2B5EF4-FFF2-40B4-BE49-F238E27FC236}">
-                <a16:creationId xmlns:a16="http://schemas.microsoft.com/office/drawing/2014/main" id="{BBE75CDA-EF3F-EB45-916C-EBC64541F44B}"/>
-              </a:ext>
-            </a:extLst>
-          </p:cNvPr>
-          <p:cNvSpPr txBox="1"/>
-          <p:nvPr/>
-        </p:nvSpPr>
-        <p:spPr>
-          <a:xfrm>
-            <a:off x="2936395" y="2618153"/>
-            <a:ext cx="2592922" cy="276999"/>
-          </a:xfrm>
-          <a:prstGeom prst="rect">
-            <a:avLst/>
-          </a:prstGeom>
-          <a:noFill/>
-        </p:spPr>
-        <p:txBody>
-          <a:bodyPr wrap="square" rtlCol="0">
-            <a:spAutoFit/>
-          </a:bodyPr>
-          <a:lstStyle/>
-          <a:p>
-            <a:r>
-              <a:rPr lang="en-US" sz="1200" dirty="0">
-                <a:latin typeface="FoundrySterling-Book" pitchFamily="2" charset="0"/>
-              </a:rPr>
-              <a:t>P( transmission | infection rates)</a:t>
-            </a:r>
-          </a:p>
-        </p:txBody>
-      </p:sp>
-      <p:sp>
-        <p:nvSpPr>
-          <p:cNvPr id="30" name="TextBox 29">
-            <a:extLst>
-              <a:ext uri="{FF2B5EF4-FFF2-40B4-BE49-F238E27FC236}">
-                <a16:creationId xmlns:a16="http://schemas.microsoft.com/office/drawing/2014/main" id="{B6053D6B-00A1-414E-ADBE-3B98D0E29DF0}"/>
-              </a:ext>
-            </a:extLst>
-          </p:cNvPr>
-          <p:cNvSpPr txBox="1"/>
-          <p:nvPr/>
-        </p:nvSpPr>
-        <p:spPr>
-          <a:xfrm>
-            <a:off x="5529317" y="2618153"/>
-            <a:ext cx="503039" cy="276999"/>
-          </a:xfrm>
-          <a:prstGeom prst="rect">
-            <a:avLst/>
-          </a:prstGeom>
-          <a:noFill/>
-        </p:spPr>
-        <p:txBody>
-          <a:bodyPr wrap="square" rtlCol="0">
-            <a:spAutoFit/>
-          </a:bodyPr>
-          <a:lstStyle/>
-          <a:p>
-            <a:r>
-              <a:rPr lang="en-US" sz="1200" dirty="0">
-                <a:latin typeface="FoundrySterling-Book" pitchFamily="2" charset="0"/>
-              </a:rPr>
-              <a:t>etc.</a:t>
-            </a:r>
-          </a:p>
-        </p:txBody>
-      </p:sp>
-      <p:sp>
-        <p:nvSpPr>
-          <p:cNvPr id="32" name="TextBox 31">
-            <a:extLst>
-              <a:ext uri="{FF2B5EF4-FFF2-40B4-BE49-F238E27FC236}">
-                <a16:creationId xmlns:a16="http://schemas.microsoft.com/office/drawing/2014/main" id="{8B63AD1E-EDEA-3446-9E50-5157D0091A40}"/>
-              </a:ext>
-            </a:extLst>
-          </p:cNvPr>
-          <p:cNvSpPr txBox="1"/>
-          <p:nvPr/>
-        </p:nvSpPr>
-        <p:spPr>
-          <a:xfrm>
-            <a:off x="350520" y="3323590"/>
-            <a:ext cx="2895344" cy="307777"/>
-          </a:xfrm>
-          <a:prstGeom prst="rect">
-            <a:avLst/>
-          </a:prstGeom>
-          <a:noFill/>
-        </p:spPr>
-        <p:txBody>
-          <a:bodyPr wrap="none" rtlCol="0">
-            <a:spAutoFit/>
-          </a:bodyPr>
-          <a:lstStyle/>
-          <a:p>
-            <a:r>
-              <a:rPr lang="en-US" sz="1400" dirty="0">
-                <a:latin typeface="FoundrySterling-Book" pitchFamily="2" charset="0"/>
-              </a:rPr>
-              <a:t>2. </a:t>
-            </a:r>
-            <a:r>
-              <a:rPr lang="en-US" sz="1400" b="1" dirty="0">
-                <a:latin typeface="FoundrySterling-Book" pitchFamily="2" charset="0"/>
-              </a:rPr>
-              <a:t>Probability extends standard logic</a:t>
-            </a:r>
-            <a:r>
-              <a:rPr lang="en-US" sz="1400" dirty="0">
-                <a:latin typeface="FoundrySterling-Book" pitchFamily="2" charset="0"/>
-              </a:rPr>
-              <a:t>:</a:t>
-            </a:r>
-          </a:p>
-        </p:txBody>
-      </p:sp>
-      <p:sp>
-        <p:nvSpPr>
-          <p:cNvPr id="34" name="TextBox 33">
-            <a:extLst>
-              <a:ext uri="{FF2B5EF4-FFF2-40B4-BE49-F238E27FC236}">
-                <a16:creationId xmlns:a16="http://schemas.microsoft.com/office/drawing/2014/main" id="{C9BF7867-135B-064C-850F-BBC1B1E6731C}"/>
-              </a:ext>
-            </a:extLst>
-          </p:cNvPr>
-          <p:cNvSpPr txBox="1"/>
-          <p:nvPr/>
-        </p:nvSpPr>
-        <p:spPr>
-          <a:xfrm>
-            <a:off x="3209699" y="3710524"/>
-            <a:ext cx="2023311" cy="307777"/>
-          </a:xfrm>
-          <a:prstGeom prst="rect">
-            <a:avLst/>
-          </a:prstGeom>
-          <a:noFill/>
-        </p:spPr>
-        <p:txBody>
-          <a:bodyPr wrap="none" rtlCol="0">
-            <a:spAutoFit/>
-          </a:bodyPr>
-          <a:lstStyle/>
-          <a:p>
-            <a:r>
-              <a:rPr lang="en-US" sz="1400" dirty="0">
-                <a:latin typeface="FoundrySterling-Book" pitchFamily="2" charset="0"/>
-              </a:rPr>
-              <a:t>=&gt; “X definitely not true”</a:t>
-            </a:r>
-          </a:p>
-        </p:txBody>
-      </p:sp>
-      <p:sp>
-        <p:nvSpPr>
-          <p:cNvPr id="36" name="TextBox 35">
-            <a:extLst>
-              <a:ext uri="{FF2B5EF4-FFF2-40B4-BE49-F238E27FC236}">
-                <a16:creationId xmlns:a16="http://schemas.microsoft.com/office/drawing/2014/main" id="{1F84F193-0204-674F-BC24-DC894413EA8D}"/>
-              </a:ext>
-            </a:extLst>
-          </p:cNvPr>
-          <p:cNvSpPr txBox="1"/>
-          <p:nvPr/>
-        </p:nvSpPr>
-        <p:spPr>
-          <a:xfrm>
-            <a:off x="3209699" y="4008244"/>
-            <a:ext cx="1729961" cy="307777"/>
-          </a:xfrm>
-          <a:prstGeom prst="rect">
-            <a:avLst/>
-          </a:prstGeom>
-          <a:noFill/>
-        </p:spPr>
-        <p:txBody>
-          <a:bodyPr wrap="none" rtlCol="0">
-            <a:spAutoFit/>
-          </a:bodyPr>
-          <a:lstStyle/>
-          <a:p>
-            <a:r>
-              <a:rPr lang="en-US" sz="1400" dirty="0">
-                <a:latin typeface="FoundrySterling-Book" pitchFamily="2" charset="0"/>
-              </a:rPr>
-              <a:t>=&gt; “X definitely true”</a:t>
-            </a:r>
-          </a:p>
-        </p:txBody>
-      </p:sp>
-      <p:sp>
-        <p:nvSpPr>
           <p:cNvPr id="37" name="TextBox 36">
             <a:extLst>
               <a:ext uri="{FF2B5EF4-FFF2-40B4-BE49-F238E27FC236}">
@@ -4272,7 +3037,7 @@
         </p:nvSpPr>
         <p:spPr>
           <a:xfrm>
-            <a:off x="350520" y="4849682"/>
+            <a:off x="308990" y="4849682"/>
             <a:ext cx="2255746" cy="307777"/>
           </a:xfrm>
           <a:prstGeom prst="rect">
@@ -4301,433 +3066,6 @@
           </a:p>
         </p:txBody>
       </p:sp>
-      <mc:AlternateContent xmlns:mc="http://schemas.openxmlformats.org/markup-compatibility/2006">
-        <mc:Choice xmlns:a14="http://schemas.microsoft.com/office/drawing/2010/main" Requires="a14">
-          <p:sp>
-            <p:nvSpPr>
-              <p:cNvPr id="38" name="TextBox 37">
-                <a:extLst>
-                  <a:ext uri="{FF2B5EF4-FFF2-40B4-BE49-F238E27FC236}">
-                    <a16:creationId xmlns:a16="http://schemas.microsoft.com/office/drawing/2014/main" id="{5A540CCA-9867-F248-A0A4-0D6DE1E09F95}"/>
-                  </a:ext>
-                </a:extLst>
-              </p:cNvPr>
-              <p:cNvSpPr txBox="1"/>
-              <p:nvPr/>
-            </p:nvSpPr>
-            <p:spPr>
-              <a:xfrm>
-                <a:off x="1641942" y="4324842"/>
-                <a:ext cx="1270989" cy="276999"/>
-              </a:xfrm>
-              <a:prstGeom prst="rect">
-                <a:avLst/>
-              </a:prstGeom>
-              <a:noFill/>
-            </p:spPr>
-            <p:txBody>
-              <a:bodyPr wrap="none" rtlCol="0">
-                <a:spAutoFit/>
-              </a:bodyPr>
-              <a:lstStyle/>
-              <a:p>
-                <a14:m>
-                  <m:oMathPara xmlns:m="http://schemas.openxmlformats.org/officeDocument/2006/math">
-                    <m:oMathParaPr>
-                      <m:jc m:val="centerGroup"/>
-                    </m:oMathParaPr>
-                    <m:oMath xmlns:m="http://schemas.openxmlformats.org/officeDocument/2006/math">
-                      <m:r>
-                        <a:rPr lang="en-GB" sz="1200" b="0" i="1" smtClean="0">
-                          <a:latin typeface="Cambria Math" panose="02040503050406030204" pitchFamily="18" charset="0"/>
-                        </a:rPr>
-                        <m:t>0&lt;</m:t>
-                      </m:r>
-                      <m:r>
-                        <a:rPr lang="en-GB" sz="1200" b="0" i="1" smtClean="0">
-                          <a:latin typeface="Cambria Math" panose="02040503050406030204" pitchFamily="18" charset="0"/>
-                        </a:rPr>
-                        <m:t>𝑃</m:t>
-                      </m:r>
-                      <m:d>
-                        <m:dPr>
-                          <m:ctrlPr>
-                            <a:rPr lang="en-GB" sz="1200" b="0" i="1" smtClean="0">
-                              <a:latin typeface="Cambria Math" panose="02040503050406030204" pitchFamily="18" charset="0"/>
-                            </a:rPr>
-                          </m:ctrlPr>
-                        </m:dPr>
-                        <m:e>
-                          <m:r>
-                            <a:rPr lang="en-GB" sz="1200" b="0" i="1" smtClean="0">
-                              <a:latin typeface="Cambria Math" panose="02040503050406030204" pitchFamily="18" charset="0"/>
-                            </a:rPr>
-                            <m:t>𝑋</m:t>
-                          </m:r>
-                        </m:e>
-                        <m:e>
-                          <m:r>
-                            <a:rPr lang="en-GB" sz="1200" b="0" i="1" smtClean="0">
-                              <a:latin typeface="Cambria Math" panose="02040503050406030204" pitchFamily="18" charset="0"/>
-                            </a:rPr>
-                            <m:t>𝐶</m:t>
-                          </m:r>
-                        </m:e>
-                      </m:d>
-                      <m:r>
-                        <a:rPr lang="en-GB" sz="1200" b="0" i="1" smtClean="0">
-                          <a:latin typeface="Cambria Math" panose="02040503050406030204" pitchFamily="18" charset="0"/>
-                        </a:rPr>
-                        <m:t>&lt;1</m:t>
-                      </m:r>
-                    </m:oMath>
-                  </m:oMathPara>
-                </a14:m>
-                <a:endParaRPr lang="en-US" sz="1200" dirty="0">
-                  <a:latin typeface="FoundrySterling-Book" pitchFamily="2" charset="0"/>
-                </a:endParaRPr>
-              </a:p>
-            </p:txBody>
-          </p:sp>
-        </mc:Choice>
-        <mc:Fallback>
-          <p:sp>
-            <p:nvSpPr>
-              <p:cNvPr id="38" name="TextBox 37">
-                <a:extLst>
-                  <a:ext uri="{FF2B5EF4-FFF2-40B4-BE49-F238E27FC236}">
-                    <a16:creationId xmlns:a16="http://schemas.microsoft.com/office/drawing/2014/main" id="{5A540CCA-9867-F248-A0A4-0D6DE1E09F95}"/>
-                  </a:ext>
-                </a:extLst>
-              </p:cNvPr>
-              <p:cNvSpPr txBox="1">
-                <a:spLocks noRot="1" noChangeAspect="1" noMove="1" noResize="1" noEditPoints="1" noAdjustHandles="1" noChangeArrowheads="1" noChangeShapeType="1" noTextEdit="1"/>
-              </p:cNvSpPr>
-              <p:nvPr/>
-            </p:nvSpPr>
-            <p:spPr>
-              <a:xfrm>
-                <a:off x="1641942" y="4324842"/>
-                <a:ext cx="1270989" cy="276999"/>
-              </a:xfrm>
-              <a:prstGeom prst="rect">
-                <a:avLst/>
-              </a:prstGeom>
-              <a:blipFill>
-                <a:blip r:embed="rId4"/>
-                <a:stretch>
-                  <a:fillRect/>
-                </a:stretch>
-              </a:blipFill>
-            </p:spPr>
-            <p:txBody>
-              <a:bodyPr/>
-              <a:lstStyle/>
-              <a:p>
-                <a:r>
-                  <a:rPr lang="en-US">
-                    <a:noFill/>
-                  </a:rPr>
-                  <a:t> </a:t>
-                </a:r>
-              </a:p>
-            </p:txBody>
-          </p:sp>
-        </mc:Fallback>
-      </mc:AlternateContent>
-      <p:sp>
-        <p:nvSpPr>
-          <p:cNvPr id="39" name="TextBox 38">
-            <a:extLst>
-              <a:ext uri="{FF2B5EF4-FFF2-40B4-BE49-F238E27FC236}">
-                <a16:creationId xmlns:a16="http://schemas.microsoft.com/office/drawing/2014/main" id="{CF6553FA-BB90-AD40-91A9-2F78F2EFF84C}"/>
-              </a:ext>
-            </a:extLst>
-          </p:cNvPr>
-          <p:cNvSpPr txBox="1"/>
-          <p:nvPr/>
-        </p:nvSpPr>
-        <p:spPr>
-          <a:xfrm>
-            <a:off x="3209699" y="4296121"/>
-            <a:ext cx="2281394" cy="307777"/>
-          </a:xfrm>
-          <a:prstGeom prst="rect">
-            <a:avLst/>
-          </a:prstGeom>
-          <a:noFill/>
-        </p:spPr>
-        <p:txBody>
-          <a:bodyPr wrap="none" rtlCol="0">
-            <a:spAutoFit/>
-          </a:bodyPr>
-          <a:lstStyle/>
-          <a:p>
-            <a:r>
-              <a:rPr lang="en-US" sz="1400" dirty="0">
-                <a:latin typeface="FoundrySterling-Book" pitchFamily="2" charset="0"/>
-              </a:rPr>
-              <a:t>=&gt; we are uncertain about X</a:t>
-            </a:r>
-          </a:p>
-        </p:txBody>
-      </p:sp>
-      <mc:AlternateContent xmlns:mc="http://schemas.openxmlformats.org/markup-compatibility/2006">
-        <mc:Choice xmlns:a14="http://schemas.microsoft.com/office/drawing/2010/main" Requires="a14">
-          <p:sp>
-            <p:nvSpPr>
-              <p:cNvPr id="40" name="TextBox 39">
-                <a:extLst>
-                  <a:ext uri="{FF2B5EF4-FFF2-40B4-BE49-F238E27FC236}">
-                    <a16:creationId xmlns:a16="http://schemas.microsoft.com/office/drawing/2014/main" id="{808CDD82-2776-0147-8FE7-89B3DDEA8BF7}"/>
-                  </a:ext>
-                </a:extLst>
-              </p:cNvPr>
-              <p:cNvSpPr txBox="1"/>
-              <p:nvPr/>
-            </p:nvSpPr>
-            <p:spPr>
-              <a:xfrm>
-                <a:off x="1641942" y="3697107"/>
-                <a:ext cx="985078" cy="276999"/>
-              </a:xfrm>
-              <a:prstGeom prst="rect">
-                <a:avLst/>
-              </a:prstGeom>
-              <a:noFill/>
-            </p:spPr>
-            <p:txBody>
-              <a:bodyPr wrap="none" rtlCol="0">
-                <a:spAutoFit/>
-              </a:bodyPr>
-              <a:lstStyle/>
-              <a:p>
-                <a14:m>
-                  <m:oMathPara xmlns:m="http://schemas.openxmlformats.org/officeDocument/2006/math">
-                    <m:oMathParaPr>
-                      <m:jc m:val="centerGroup"/>
-                    </m:oMathParaPr>
-                    <m:oMath xmlns:m="http://schemas.openxmlformats.org/officeDocument/2006/math">
-                      <m:r>
-                        <a:rPr lang="en-GB" sz="1200" b="0" i="1" smtClean="0">
-                          <a:latin typeface="Cambria Math" panose="02040503050406030204" pitchFamily="18" charset="0"/>
-                        </a:rPr>
-                        <m:t>𝑃</m:t>
-                      </m:r>
-                      <m:d>
-                        <m:dPr>
-                          <m:ctrlPr>
-                            <a:rPr lang="en-GB" sz="1200" b="0" i="1" smtClean="0">
-                              <a:latin typeface="Cambria Math" panose="02040503050406030204" pitchFamily="18" charset="0"/>
-                            </a:rPr>
-                          </m:ctrlPr>
-                        </m:dPr>
-                        <m:e>
-                          <m:r>
-                            <a:rPr lang="en-GB" sz="1200" b="0" i="1" smtClean="0">
-                              <a:latin typeface="Cambria Math" panose="02040503050406030204" pitchFamily="18" charset="0"/>
-                            </a:rPr>
-                            <m:t>𝑋</m:t>
-                          </m:r>
-                        </m:e>
-                        <m:e>
-                          <m:r>
-                            <a:rPr lang="en-GB" sz="1200" b="0" i="1" smtClean="0">
-                              <a:latin typeface="Cambria Math" panose="02040503050406030204" pitchFamily="18" charset="0"/>
-                            </a:rPr>
-                            <m:t>𝐶</m:t>
-                          </m:r>
-                        </m:e>
-                      </m:d>
-                      <m:r>
-                        <a:rPr lang="en-GB" sz="1200" b="0" i="1" smtClean="0">
-                          <a:latin typeface="Cambria Math" panose="02040503050406030204" pitchFamily="18" charset="0"/>
-                        </a:rPr>
-                        <m:t>=0</m:t>
-                      </m:r>
-                    </m:oMath>
-                  </m:oMathPara>
-                </a14:m>
-                <a:endParaRPr lang="en-US" sz="1200" dirty="0">
-                  <a:latin typeface="FoundrySterling-Book" pitchFamily="2" charset="0"/>
-                </a:endParaRPr>
-              </a:p>
-            </p:txBody>
-          </p:sp>
-        </mc:Choice>
-        <mc:Fallback>
-          <p:sp>
-            <p:nvSpPr>
-              <p:cNvPr id="40" name="TextBox 39">
-                <a:extLst>
-                  <a:ext uri="{FF2B5EF4-FFF2-40B4-BE49-F238E27FC236}">
-                    <a16:creationId xmlns:a16="http://schemas.microsoft.com/office/drawing/2014/main" id="{808CDD82-2776-0147-8FE7-89B3DDEA8BF7}"/>
-                  </a:ext>
-                </a:extLst>
-              </p:cNvPr>
-              <p:cNvSpPr txBox="1">
-                <a:spLocks noRot="1" noChangeAspect="1" noMove="1" noResize="1" noEditPoints="1" noAdjustHandles="1" noChangeArrowheads="1" noChangeShapeType="1" noTextEdit="1"/>
-              </p:cNvSpPr>
-              <p:nvPr/>
-            </p:nvSpPr>
-            <p:spPr>
-              <a:xfrm>
-                <a:off x="1641942" y="3697107"/>
-                <a:ext cx="985078" cy="276999"/>
-              </a:xfrm>
-              <a:prstGeom prst="rect">
-                <a:avLst/>
-              </a:prstGeom>
-              <a:blipFill>
-                <a:blip r:embed="rId5"/>
-                <a:stretch>
-                  <a:fillRect/>
-                </a:stretch>
-              </a:blipFill>
-            </p:spPr>
-            <p:txBody>
-              <a:bodyPr/>
-              <a:lstStyle/>
-              <a:p>
-                <a:r>
-                  <a:rPr lang="en-US">
-                    <a:noFill/>
-                  </a:rPr>
-                  <a:t> </a:t>
-                </a:r>
-              </a:p>
-            </p:txBody>
-          </p:sp>
-        </mc:Fallback>
-      </mc:AlternateContent>
-      <mc:AlternateContent xmlns:mc="http://schemas.openxmlformats.org/markup-compatibility/2006">
-        <mc:Choice xmlns:a14="http://schemas.microsoft.com/office/drawing/2010/main" Requires="a14">
-          <p:sp>
-            <p:nvSpPr>
-              <p:cNvPr id="41" name="TextBox 40">
-                <a:extLst>
-                  <a:ext uri="{FF2B5EF4-FFF2-40B4-BE49-F238E27FC236}">
-                    <a16:creationId xmlns:a16="http://schemas.microsoft.com/office/drawing/2014/main" id="{D12CC29E-1017-C84D-8760-0F8E0B9D2F96}"/>
-                  </a:ext>
-                </a:extLst>
-              </p:cNvPr>
-              <p:cNvSpPr txBox="1"/>
-              <p:nvPr/>
-            </p:nvSpPr>
-            <p:spPr>
-              <a:xfrm>
-                <a:off x="1639132" y="4021848"/>
-                <a:ext cx="985078" cy="276999"/>
-              </a:xfrm>
-              <a:prstGeom prst="rect">
-                <a:avLst/>
-              </a:prstGeom>
-              <a:noFill/>
-            </p:spPr>
-            <p:txBody>
-              <a:bodyPr wrap="none" rtlCol="0">
-                <a:spAutoFit/>
-              </a:bodyPr>
-              <a:lstStyle/>
-              <a:p>
-                <a14:m>
-                  <m:oMathPara xmlns:m="http://schemas.openxmlformats.org/officeDocument/2006/math">
-                    <m:oMathParaPr>
-                      <m:jc m:val="centerGroup"/>
-                    </m:oMathParaPr>
-                    <m:oMath xmlns:m="http://schemas.openxmlformats.org/officeDocument/2006/math">
-                      <m:r>
-                        <a:rPr lang="en-GB" sz="1200" b="0" i="1" smtClean="0">
-                          <a:latin typeface="Cambria Math" panose="02040503050406030204" pitchFamily="18" charset="0"/>
-                        </a:rPr>
-                        <m:t>𝑃</m:t>
-                      </m:r>
-                      <m:d>
-                        <m:dPr>
-                          <m:ctrlPr>
-                            <a:rPr lang="en-GB" sz="1200" b="0" i="1" smtClean="0">
-                              <a:latin typeface="Cambria Math" panose="02040503050406030204" pitchFamily="18" charset="0"/>
-                            </a:rPr>
-                          </m:ctrlPr>
-                        </m:dPr>
-                        <m:e>
-                          <m:r>
-                            <a:rPr lang="en-GB" sz="1200" b="0" i="1" smtClean="0">
-                              <a:latin typeface="Cambria Math" panose="02040503050406030204" pitchFamily="18" charset="0"/>
-                            </a:rPr>
-                            <m:t>𝑋</m:t>
-                          </m:r>
-                        </m:e>
-                        <m:e>
-                          <m:r>
-                            <a:rPr lang="en-GB" sz="1200" b="0" i="1" smtClean="0">
-                              <a:latin typeface="Cambria Math" panose="02040503050406030204" pitchFamily="18" charset="0"/>
-                            </a:rPr>
-                            <m:t>𝐶</m:t>
-                          </m:r>
-                        </m:e>
-                      </m:d>
-                      <m:r>
-                        <a:rPr lang="en-GB" sz="1200" b="0" i="1" smtClean="0">
-                          <a:latin typeface="Cambria Math" panose="02040503050406030204" pitchFamily="18" charset="0"/>
-                        </a:rPr>
-                        <m:t>=1</m:t>
-                      </m:r>
-                    </m:oMath>
-                  </m:oMathPara>
-                </a14:m>
-                <a:endParaRPr lang="en-US" sz="1200" dirty="0">
-                  <a:latin typeface="FoundrySterling-Book" pitchFamily="2" charset="0"/>
-                </a:endParaRPr>
-              </a:p>
-            </p:txBody>
-          </p:sp>
-        </mc:Choice>
-        <mc:Fallback>
-          <p:sp>
-            <p:nvSpPr>
-              <p:cNvPr id="41" name="TextBox 40">
-                <a:extLst>
-                  <a:ext uri="{FF2B5EF4-FFF2-40B4-BE49-F238E27FC236}">
-                    <a16:creationId xmlns:a16="http://schemas.microsoft.com/office/drawing/2014/main" id="{D12CC29E-1017-C84D-8760-0F8E0B9D2F96}"/>
-                  </a:ext>
-                </a:extLst>
-              </p:cNvPr>
-              <p:cNvSpPr txBox="1">
-                <a:spLocks noRot="1" noChangeAspect="1" noMove="1" noResize="1" noEditPoints="1" noAdjustHandles="1" noChangeArrowheads="1" noChangeShapeType="1" noTextEdit="1"/>
-              </p:cNvSpPr>
-              <p:nvPr/>
-            </p:nvSpPr>
-            <p:spPr>
-              <a:xfrm>
-                <a:off x="1639132" y="4021848"/>
-                <a:ext cx="985078" cy="276999"/>
-              </a:xfrm>
-              <a:prstGeom prst="rect">
-                <a:avLst/>
-              </a:prstGeom>
-              <a:blipFill>
-                <a:blip r:embed="rId6"/>
-                <a:stretch>
-                  <a:fillRect/>
-                </a:stretch>
-              </a:blipFill>
-            </p:spPr>
-            <p:txBody>
-              <a:bodyPr/>
-              <a:lstStyle/>
-              <a:p>
-                <a:r>
-                  <a:rPr lang="en-US">
-                    <a:noFill/>
-                  </a:rPr>
-                  <a:t> </a:t>
-                </a:r>
-              </a:p>
-            </p:txBody>
-          </p:sp>
-        </mc:Fallback>
-      </mc:AlternateContent>
       <p:grpSp>
         <p:nvGrpSpPr>
           <p:cNvPr id="54" name="Group 53">
@@ -4768,8 +3106,8 @@
               <a:chExt cx="907621" cy="440556"/>
             </a:xfrm>
           </p:grpSpPr>
-          <mc:AlternateContent xmlns:mc="http://schemas.openxmlformats.org/markup-compatibility/2006">
-            <mc:Choice xmlns:a14="http://schemas.microsoft.com/office/drawing/2010/main" Requires="a14">
+          <mc:AlternateContent xmlns:mc="http://schemas.openxmlformats.org/markup-compatibility/2006" xmlns:a14="http://schemas.microsoft.com/office/drawing/2010/main">
+            <mc:Choice Requires="a14">
               <p:sp>
                 <p:nvSpPr>
                   <p:cNvPr id="42" name="TextBox 41">
@@ -4798,6 +3136,7 @@
                   </a:bodyPr>
                   <a:lstStyle/>
                   <a:p>
+                    <a:pPr/>
                     <a14:m>
                       <m:oMathPara xmlns:m="http://schemas.openxmlformats.org/officeDocument/2006/math">
                         <m:oMathParaPr>
@@ -4857,7 +3196,7 @@
                 </p:txBody>
               </p:sp>
             </mc:Choice>
-            <mc:Fallback>
+            <mc:Fallback xmlns="">
               <p:sp>
                 <p:nvSpPr>
                   <p:cNvPr id="42" name="TextBox 41">
@@ -4963,8 +3302,8 @@
               <a:chExt cx="1607363" cy="440556"/>
             </a:xfrm>
           </p:grpSpPr>
-          <mc:AlternateContent xmlns:mc="http://schemas.openxmlformats.org/markup-compatibility/2006">
-            <mc:Choice xmlns:a14="http://schemas.microsoft.com/office/drawing/2010/main" Requires="a14">
+          <mc:AlternateContent xmlns:mc="http://schemas.openxmlformats.org/markup-compatibility/2006" xmlns:a14="http://schemas.microsoft.com/office/drawing/2010/main">
+            <mc:Choice Requires="a14">
               <p:sp>
                 <p:nvSpPr>
                   <p:cNvPr id="44" name="TextBox 43">
@@ -4993,6 +3332,7 @@
                   </a:bodyPr>
                   <a:lstStyle/>
                   <a:p>
+                    <a:pPr/>
                     <a14:m>
                       <m:oMathPara xmlns:m="http://schemas.openxmlformats.org/officeDocument/2006/math">
                         <m:oMathParaPr>
@@ -5100,7 +3440,7 @@
                 </p:txBody>
               </p:sp>
             </mc:Choice>
-            <mc:Fallback>
+            <mc:Fallback xmlns="">
               <p:sp>
                 <p:nvSpPr>
                   <p:cNvPr id="44" name="TextBox 43">
@@ -5247,8 +3587,8 @@
             <a:chExt cx="1707519" cy="429294"/>
           </a:xfrm>
         </p:grpSpPr>
-        <mc:AlternateContent xmlns:mc="http://schemas.openxmlformats.org/markup-compatibility/2006">
-          <mc:Choice xmlns:a14="http://schemas.microsoft.com/office/drawing/2010/main" Requires="a14">
+        <mc:AlternateContent xmlns:mc="http://schemas.openxmlformats.org/markup-compatibility/2006" xmlns:a14="http://schemas.microsoft.com/office/drawing/2010/main">
+          <mc:Choice Requires="a14">
             <p:sp>
               <p:nvSpPr>
                 <p:cNvPr id="50" name="TextBox 49">
@@ -5277,6 +3617,7 @@
                 </a:bodyPr>
                 <a:lstStyle/>
                 <a:p>
+                  <a:pPr/>
                   <a14:m>
                     <m:oMathPara xmlns:m="http://schemas.openxmlformats.org/officeDocument/2006/math">
                       <m:oMathParaPr>
@@ -5372,7 +3713,7 @@
               </p:txBody>
             </p:sp>
           </mc:Choice>
-          <mc:Fallback>
+          <mc:Fallback xmlns="">
             <p:sp>
               <p:nvSpPr>
                 <p:cNvPr id="50" name="TextBox 49">
@@ -5478,8 +3819,8 @@
             <a:chExt cx="3280617" cy="436181"/>
           </a:xfrm>
         </p:grpSpPr>
-        <mc:AlternateContent xmlns:mc="http://schemas.openxmlformats.org/markup-compatibility/2006">
-          <mc:Choice xmlns:a14="http://schemas.microsoft.com/office/drawing/2010/main" Requires="a14">
+        <mc:AlternateContent xmlns:mc="http://schemas.openxmlformats.org/markup-compatibility/2006" xmlns:a14="http://schemas.microsoft.com/office/drawing/2010/main">
+          <mc:Choice Requires="a14">
             <p:sp>
               <p:nvSpPr>
                 <p:cNvPr id="61" name="TextBox 60">
@@ -5508,6 +3849,7 @@
                 </a:bodyPr>
                 <a:lstStyle/>
                 <a:p>
+                  <a:pPr/>
                   <a14:m>
                     <m:oMathPara xmlns:m="http://schemas.openxmlformats.org/officeDocument/2006/math">
                       <m:oMathParaPr>
@@ -5582,7 +3924,7 @@
               </p:txBody>
             </p:sp>
           </mc:Choice>
-          <mc:Fallback>
+          <mc:Fallback xmlns="">
             <p:sp>
               <p:nvSpPr>
                 <p:cNvPr id="61" name="TextBox 60">
@@ -5647,8 +3989,8 @@
               <a:chExt cx="2391438" cy="436181"/>
             </a:xfrm>
           </p:grpSpPr>
-          <mc:AlternateContent xmlns:mc="http://schemas.openxmlformats.org/markup-compatibility/2006">
-            <mc:Choice xmlns:a14="http://schemas.microsoft.com/office/drawing/2010/main" Requires="a14">
+          <mc:AlternateContent xmlns:mc="http://schemas.openxmlformats.org/markup-compatibility/2006" xmlns:a14="http://schemas.microsoft.com/office/drawing/2010/main">
+            <mc:Choice Requires="a14">
               <p:sp>
                 <p:nvSpPr>
                   <p:cNvPr id="58" name="TextBox 57">
@@ -5677,6 +4019,7 @@
                   </a:bodyPr>
                   <a:lstStyle/>
                   <a:p>
+                    <a:pPr/>
                     <a14:m>
                       <m:oMathPara xmlns:m="http://schemas.openxmlformats.org/officeDocument/2006/math">
                         <m:oMathParaPr>
@@ -5821,7 +4164,7 @@
                 </p:txBody>
               </p:sp>
             </mc:Choice>
-            <mc:Fallback>
+            <mc:Fallback xmlns="">
               <p:sp>
                 <p:nvSpPr>
                   <p:cNvPr id="58" name="TextBox 57">
@@ -5908,8 +4251,8 @@
           </p:sp>
         </p:grpSp>
       </p:grpSp>
-      <mc:AlternateContent xmlns:mc="http://schemas.openxmlformats.org/markup-compatibility/2006">
-        <mc:Choice xmlns:a14="http://schemas.microsoft.com/office/drawing/2010/main" Requires="a14">
+      <mc:AlternateContent xmlns:mc="http://schemas.openxmlformats.org/markup-compatibility/2006" xmlns:a14="http://schemas.microsoft.com/office/drawing/2010/main">
+        <mc:Choice Requires="a14">
           <p:sp>
             <p:nvSpPr>
               <p:cNvPr id="73" name="TextBox 72">
@@ -5938,6 +4281,7 @@
               </a:bodyPr>
               <a:lstStyle/>
               <a:p>
+                <a:pPr/>
                 <a14:m>
                   <m:oMathPara xmlns:m="http://schemas.openxmlformats.org/officeDocument/2006/math">
                     <m:oMathParaPr>
@@ -6062,7 +4406,7 @@
             </p:txBody>
           </p:sp>
         </mc:Choice>
-        <mc:Fallback>
+        <mc:Fallback xmlns="">
           <p:sp>
             <p:nvSpPr>
               <p:cNvPr id="73" name="TextBox 72">
@@ -6167,8 +4511,8 @@
             <a:chExt cx="2343855" cy="483466"/>
           </a:xfrm>
         </p:grpSpPr>
-        <mc:AlternateContent xmlns:mc="http://schemas.openxmlformats.org/markup-compatibility/2006">
-          <mc:Choice xmlns:a14="http://schemas.microsoft.com/office/drawing/2010/main" Requires="a14">
+        <mc:AlternateContent xmlns:mc="http://schemas.openxmlformats.org/markup-compatibility/2006" xmlns:a14="http://schemas.microsoft.com/office/drawing/2010/main">
+          <mc:Choice Requires="a14">
             <p:sp>
               <p:nvSpPr>
                 <p:cNvPr id="82" name="TextBox 81">
@@ -6197,6 +4541,7 @@
                 </a:bodyPr>
                 <a:lstStyle/>
                 <a:p>
+                  <a:pPr/>
                   <a14:m>
                     <m:oMathPara xmlns:m="http://schemas.openxmlformats.org/officeDocument/2006/math">
                       <m:oMathParaPr>
@@ -6256,7 +4601,7 @@
               </p:txBody>
             </p:sp>
           </mc:Choice>
-          <mc:Fallback>
+          <mc:Fallback xmlns="">
             <p:sp>
               <p:nvSpPr>
                 <p:cNvPr id="82" name="TextBox 81">
@@ -6301,8 +4646,8 @@
             </p:sp>
           </mc:Fallback>
         </mc:AlternateContent>
-        <mc:AlternateContent xmlns:mc="http://schemas.openxmlformats.org/markup-compatibility/2006">
-          <mc:Choice xmlns:a14="http://schemas.microsoft.com/office/drawing/2010/main" Requires="a14">
+        <mc:AlternateContent xmlns:mc="http://schemas.openxmlformats.org/markup-compatibility/2006" xmlns:a14="http://schemas.microsoft.com/office/drawing/2010/main">
+          <mc:Choice Requires="a14">
             <p:sp>
               <p:nvSpPr>
                 <p:cNvPr id="79" name="TextBox 78">
@@ -6331,6 +4676,7 @@
                 </a:bodyPr>
                 <a:lstStyle/>
                 <a:p>
+                  <a:pPr/>
                   <a14:m>
                     <m:oMathPara xmlns:m="http://schemas.openxmlformats.org/officeDocument/2006/math">
                       <m:oMathParaPr>
@@ -6487,7 +4833,7 @@
               </p:txBody>
             </p:sp>
           </mc:Choice>
-          <mc:Fallback>
+          <mc:Fallback xmlns="">
             <p:sp>
               <p:nvSpPr>
                 <p:cNvPr id="79" name="TextBox 78">
@@ -6931,86 +5277,6 @@
       </p:sp>
       <p:sp>
         <p:nvSpPr>
-          <p:cNvPr id="96" name="TextBox 95">
-            <a:extLst>
-              <a:ext uri="{FF2B5EF4-FFF2-40B4-BE49-F238E27FC236}">
-                <a16:creationId xmlns:a16="http://schemas.microsoft.com/office/drawing/2014/main" id="{7B0C369C-4F23-2248-B96B-ABB7DD06E668}"/>
-              </a:ext>
-            </a:extLst>
-          </p:cNvPr>
-          <p:cNvSpPr txBox="1"/>
-          <p:nvPr/>
-        </p:nvSpPr>
-        <p:spPr>
-          <a:xfrm>
-            <a:off x="1263806" y="2840726"/>
-            <a:ext cx="715260" cy="215444"/>
-          </a:xfrm>
-          <a:prstGeom prst="rect">
-            <a:avLst/>
-          </a:prstGeom>
-          <a:noFill/>
-        </p:spPr>
-        <p:txBody>
-          <a:bodyPr wrap="none" rtlCol="0">
-            <a:spAutoFit/>
-          </a:bodyPr>
-          <a:lstStyle/>
-          <a:p>
-            <a:r>
-              <a:rPr lang="en-US" sz="800" dirty="0">
-                <a:solidFill>
-                  <a:srgbClr val="FF0000"/>
-                </a:solidFill>
-                <a:latin typeface="FoundrySterling-Book" pitchFamily="2" charset="0"/>
-              </a:rPr>
-              <a:t>Model of die</a:t>
-            </a:r>
-          </a:p>
-        </p:txBody>
-      </p:sp>
-      <p:sp>
-        <p:nvSpPr>
-          <p:cNvPr id="98" name="TextBox 97">
-            <a:extLst>
-              <a:ext uri="{FF2B5EF4-FFF2-40B4-BE49-F238E27FC236}">
-                <a16:creationId xmlns:a16="http://schemas.microsoft.com/office/drawing/2014/main" id="{26A0C175-8CEE-EF47-A38F-79DDCF9FA6C2}"/>
-              </a:ext>
-            </a:extLst>
-          </p:cNvPr>
-          <p:cNvSpPr txBox="1"/>
-          <p:nvPr/>
-        </p:nvSpPr>
-        <p:spPr>
-          <a:xfrm>
-            <a:off x="4047014" y="2840726"/>
-            <a:ext cx="962123" cy="215444"/>
-          </a:xfrm>
-          <a:prstGeom prst="rect">
-            <a:avLst/>
-          </a:prstGeom>
-          <a:noFill/>
-        </p:spPr>
-        <p:txBody>
-          <a:bodyPr wrap="none" rtlCol="0">
-            <a:spAutoFit/>
-          </a:bodyPr>
-          <a:lstStyle/>
-          <a:p>
-            <a:r>
-              <a:rPr lang="en-US" sz="800" dirty="0">
-                <a:solidFill>
-                  <a:srgbClr val="FF0000"/>
-                </a:solidFill>
-                <a:latin typeface="FoundrySterling-Book" pitchFamily="2" charset="0"/>
-              </a:rPr>
-              <a:t>Model of infection</a:t>
-            </a:r>
-          </a:p>
-        </p:txBody>
-      </p:sp>
-      <p:sp>
-        <p:nvSpPr>
           <p:cNvPr id="100" name="TextBox 99">
             <a:extLst>
               <a:ext uri="{FF2B5EF4-FFF2-40B4-BE49-F238E27FC236}">
@@ -7023,8 +5289,8 @@
         </p:nvSpPr>
         <p:spPr>
           <a:xfrm>
-            <a:off x="5363753" y="283852"/>
-            <a:ext cx="1162498" cy="276999"/>
+            <a:off x="5045174" y="306721"/>
+            <a:ext cx="1683474" cy="276999"/>
           </a:xfrm>
           <a:prstGeom prst="rect">
             <a:avLst/>
@@ -7043,7 +5309,7 @@
                 <a:ea typeface="Verdana" panose="020B0604030504040204" pitchFamily="34" charset="0"/>
                 <a:cs typeface="Verdana" panose="020B0604030504040204" pitchFamily="34" charset="0"/>
               </a:rPr>
-              <a:t>GB, GMS 2020</a:t>
+              <a:t>Gavin Band, GMS 2020</a:t>
             </a:r>
           </a:p>
         </p:txBody>
@@ -7085,8 +5351,8 @@
           </a:p>
         </p:txBody>
       </p:sp>
-      <mc:AlternateContent xmlns:mc="http://schemas.openxmlformats.org/markup-compatibility/2006">
-        <mc:Choice xmlns:a14="http://schemas.microsoft.com/office/drawing/2010/main" Requires="a14">
+      <mc:AlternateContent xmlns:mc="http://schemas.openxmlformats.org/markup-compatibility/2006" xmlns:a14="http://schemas.microsoft.com/office/drawing/2010/main">
+        <mc:Choice Requires="a14">
           <p:sp>
             <p:nvSpPr>
               <p:cNvPr id="102" name="TextBox 101">
@@ -7115,6 +5381,7 @@
               </a:bodyPr>
               <a:lstStyle/>
               <a:p>
+                <a:pPr/>
                 <a14:m>
                   <m:oMathPara xmlns:m="http://schemas.openxmlformats.org/officeDocument/2006/math">
                     <m:oMathParaPr>
@@ -7276,7 +5543,7 @@
             </p:txBody>
           </p:sp>
         </mc:Choice>
-        <mc:Fallback>
+        <mc:Fallback xmlns="">
           <p:sp>
             <p:nvSpPr>
               <p:cNvPr id="102" name="TextBox 101">
@@ -7354,6 +5621,1798 @@
                 <a:latin typeface="FoundrySterling-Book" pitchFamily="2" charset="0"/>
               </a:rPr>
               <a:t>by applying rule III</a:t>
+            </a:r>
+          </a:p>
+        </p:txBody>
+      </p:sp>
+      <p:sp>
+        <p:nvSpPr>
+          <p:cNvPr id="67" name="TextBox 66">
+            <a:extLst>
+              <a:ext uri="{FF2B5EF4-FFF2-40B4-BE49-F238E27FC236}">
+                <a16:creationId xmlns:a16="http://schemas.microsoft.com/office/drawing/2014/main" id="{FD96463C-FC63-E540-853E-D93BFD7F955E}"/>
+              </a:ext>
+            </a:extLst>
+          </p:cNvPr>
+          <p:cNvSpPr txBox="1"/>
+          <p:nvPr/>
+        </p:nvSpPr>
+        <p:spPr>
+          <a:xfrm>
+            <a:off x="308990" y="2407625"/>
+            <a:ext cx="2403222" cy="307777"/>
+          </a:xfrm>
+          <a:prstGeom prst="rect">
+            <a:avLst/>
+          </a:prstGeom>
+          <a:noFill/>
+        </p:spPr>
+        <p:txBody>
+          <a:bodyPr wrap="none" rtlCol="0">
+            <a:spAutoFit/>
+          </a:bodyPr>
+          <a:lstStyle/>
+          <a:p>
+            <a:r>
+              <a:rPr lang="en-US" sz="1400" dirty="0">
+                <a:latin typeface="FoundrySterling-Book" pitchFamily="2" charset="0"/>
+              </a:rPr>
+              <a:t>2. </a:t>
+            </a:r>
+            <a:r>
+              <a:rPr lang="en-US" sz="1400" b="1" dirty="0">
+                <a:latin typeface="FoundrySterling-Book" pitchFamily="2" charset="0"/>
+              </a:rPr>
+              <a:t>All probability is conditional</a:t>
+            </a:r>
+            <a:r>
+              <a:rPr lang="en-US" sz="1400" dirty="0">
+                <a:latin typeface="FoundrySterling-Book" pitchFamily="2" charset="0"/>
+              </a:rPr>
+              <a:t>:</a:t>
+            </a:r>
+          </a:p>
+        </p:txBody>
+      </p:sp>
+      <p:grpSp>
+        <p:nvGrpSpPr>
+          <p:cNvPr id="68" name="Group 67">
+            <a:extLst>
+              <a:ext uri="{FF2B5EF4-FFF2-40B4-BE49-F238E27FC236}">
+                <a16:creationId xmlns:a16="http://schemas.microsoft.com/office/drawing/2014/main" id="{719D1BA8-F94C-6E46-A539-6ACC85EEA149}"/>
+              </a:ext>
+            </a:extLst>
+          </p:cNvPr>
+          <p:cNvGrpSpPr/>
+          <p:nvPr/>
+        </p:nvGrpSpPr>
+        <p:grpSpPr>
+          <a:xfrm>
+            <a:off x="1737532" y="2902579"/>
+            <a:ext cx="3595856" cy="512475"/>
+            <a:chOff x="1701622" y="1805373"/>
+            <a:chExt cx="3595856" cy="512475"/>
+          </a:xfrm>
+        </p:grpSpPr>
+        <mc:AlternateContent xmlns:mc="http://schemas.openxmlformats.org/markup-compatibility/2006" xmlns:a14="http://schemas.microsoft.com/office/drawing/2010/main">
+          <mc:Choice Requires="a14">
+            <p:sp>
+              <p:nvSpPr>
+                <p:cNvPr id="69" name="TextBox 68">
+                  <a:extLst>
+                    <a:ext uri="{FF2B5EF4-FFF2-40B4-BE49-F238E27FC236}">
+                      <a16:creationId xmlns:a16="http://schemas.microsoft.com/office/drawing/2014/main" id="{A3B4079B-3037-F04F-9F12-B25AFCB5B74A}"/>
+                    </a:ext>
+                  </a:extLst>
+                </p:cNvPr>
+                <p:cNvSpPr txBox="1"/>
+                <p:nvPr/>
+              </p:nvSpPr>
+              <p:spPr>
+                <a:xfrm>
+                  <a:off x="1944104" y="1851540"/>
+                  <a:ext cx="425501" cy="215444"/>
+                </a:xfrm>
+                <a:prstGeom prst="rect">
+                  <a:avLst/>
+                </a:prstGeom>
+                <a:noFill/>
+              </p:spPr>
+              <p:txBody>
+                <a:bodyPr wrap="none" lIns="0" tIns="0" rIns="0" bIns="0" rtlCol="0">
+                  <a:spAutoFit/>
+                </a:bodyPr>
+                <a:lstStyle/>
+                <a:p>
+                  <a:pPr/>
+                  <a14:m>
+                    <m:oMathPara xmlns:m="http://schemas.openxmlformats.org/officeDocument/2006/math">
+                      <m:oMathParaPr>
+                        <m:jc m:val="centerGroup"/>
+                      </m:oMathParaPr>
+                      <m:oMath xmlns:m="http://schemas.openxmlformats.org/officeDocument/2006/math">
+                        <m:r>
+                          <a:rPr lang="en-GB" sz="1400" b="0" i="1" smtClean="0">
+                            <a:latin typeface="Cambria Math" panose="02040503050406030204" pitchFamily="18" charset="0"/>
+                          </a:rPr>
+                          <m:t>𝑃</m:t>
+                        </m:r>
+                        <m:r>
+                          <a:rPr lang="en-GB" sz="1400" b="0" i="1" smtClean="0">
+                            <a:latin typeface="Cambria Math" panose="02040503050406030204" pitchFamily="18" charset="0"/>
+                          </a:rPr>
+                          <m:t>(</m:t>
+                        </m:r>
+                        <m:r>
+                          <a:rPr lang="en-GB" sz="1400" b="0" i="1" smtClean="0">
+                            <a:latin typeface="Cambria Math" panose="02040503050406030204" pitchFamily="18" charset="0"/>
+                          </a:rPr>
+                          <m:t>𝑋</m:t>
+                        </m:r>
+                        <m:r>
+                          <a:rPr lang="en-GB" sz="1400" b="0" i="1" smtClean="0">
+                            <a:latin typeface="Cambria Math" panose="02040503050406030204" pitchFamily="18" charset="0"/>
+                          </a:rPr>
+                          <m:t>)</m:t>
+                        </m:r>
+                      </m:oMath>
+                    </m:oMathPara>
+                  </a14:m>
+                  <a:endParaRPr lang="en-US" sz="1400" dirty="0">
+                    <a:latin typeface="FoundrySterling-Book" pitchFamily="2" charset="0"/>
+                  </a:endParaRPr>
+                </a:p>
+              </p:txBody>
+            </p:sp>
+          </mc:Choice>
+          <mc:Fallback xmlns="">
+            <p:sp>
+              <p:nvSpPr>
+                <p:cNvPr id="6" name="TextBox 5">
+                  <a:extLst>
+                    <a:ext uri="{FF2B5EF4-FFF2-40B4-BE49-F238E27FC236}">
+                      <a16:creationId xmlns:a16="http://schemas.microsoft.com/office/drawing/2014/main" id="{34AF6BBE-F123-F942-9490-B08E64C41433}"/>
+                    </a:ext>
+                  </a:extLst>
+                </p:cNvPr>
+                <p:cNvSpPr txBox="1">
+                  <a:spLocks noRot="1" noChangeAspect="1" noMove="1" noResize="1" noEditPoints="1" noAdjustHandles="1" noChangeArrowheads="1" noChangeShapeType="1" noTextEdit="1"/>
+                </p:cNvSpPr>
+                <p:nvPr/>
+              </p:nvSpPr>
+              <p:spPr>
+                <a:xfrm>
+                  <a:off x="1944104" y="1851540"/>
+                  <a:ext cx="425501" cy="215444"/>
+                </a:xfrm>
+                <a:prstGeom prst="rect">
+                  <a:avLst/>
+                </a:prstGeom>
+                <a:blipFill>
+                  <a:blip r:embed="rId2"/>
+                  <a:stretch>
+                    <a:fillRect l="-8824" t="-5882" r="-14706" b="-35294"/>
+                  </a:stretch>
+                </a:blipFill>
+              </p:spPr>
+              <p:txBody>
+                <a:bodyPr/>
+                <a:lstStyle/>
+                <a:p>
+                  <a:r>
+                    <a:rPr lang="en-US">
+                      <a:noFill/>
+                    </a:rPr>
+                    <a:t> </a:t>
+                  </a:r>
+                </a:p>
+              </p:txBody>
+            </p:sp>
+          </mc:Fallback>
+        </mc:AlternateContent>
+        <p:sp>
+          <p:nvSpPr>
+            <p:cNvPr id="70" name="TextBox 69">
+              <a:extLst>
+                <a:ext uri="{FF2B5EF4-FFF2-40B4-BE49-F238E27FC236}">
+                  <a16:creationId xmlns:a16="http://schemas.microsoft.com/office/drawing/2014/main" id="{CAC983D0-2C2B-DD4B-B693-1C6EDB89BA85}"/>
+                </a:ext>
+              </a:extLst>
+            </p:cNvPr>
+            <p:cNvSpPr txBox="1"/>
+            <p:nvPr/>
+          </p:nvSpPr>
+          <p:spPr>
+            <a:xfrm>
+              <a:off x="2667413" y="1805373"/>
+              <a:ext cx="1202573" cy="307777"/>
+            </a:xfrm>
+            <a:prstGeom prst="rect">
+              <a:avLst/>
+            </a:prstGeom>
+            <a:noFill/>
+          </p:spPr>
+          <p:txBody>
+            <a:bodyPr wrap="none" rtlCol="0">
+              <a:spAutoFit/>
+            </a:bodyPr>
+            <a:lstStyle/>
+            <a:p>
+              <a:r>
+                <a:rPr lang="en-US" sz="1400" dirty="0">
+                  <a:latin typeface="FoundrySterling-Book" pitchFamily="2" charset="0"/>
+                  <a:ea typeface="Verdana" panose="020B0604030504040204" pitchFamily="34" charset="0"/>
+                  <a:cs typeface="Verdana" panose="020B0604030504040204" pitchFamily="34" charset="0"/>
+                </a:rPr>
+                <a:t>always means</a:t>
+              </a:r>
+            </a:p>
+          </p:txBody>
+        </p:sp>
+        <mc:AlternateContent xmlns:mc="http://schemas.openxmlformats.org/markup-compatibility/2006" xmlns:a14="http://schemas.microsoft.com/office/drawing/2010/main">
+          <mc:Choice Requires="a14">
+            <p:sp>
+              <p:nvSpPr>
+                <p:cNvPr id="71" name="TextBox 70">
+                  <a:extLst>
+                    <a:ext uri="{FF2B5EF4-FFF2-40B4-BE49-F238E27FC236}">
+                      <a16:creationId xmlns:a16="http://schemas.microsoft.com/office/drawing/2014/main" id="{43A1ADA2-B400-EF48-9D69-74D6205B1775}"/>
+                    </a:ext>
+                  </a:extLst>
+                </p:cNvPr>
+                <p:cNvSpPr txBox="1"/>
+                <p:nvPr/>
+              </p:nvSpPr>
+              <p:spPr>
+                <a:xfrm>
+                  <a:off x="4359282" y="1851540"/>
+                  <a:ext cx="596894" cy="215444"/>
+                </a:xfrm>
+                <a:prstGeom prst="rect">
+                  <a:avLst/>
+                </a:prstGeom>
+                <a:noFill/>
+              </p:spPr>
+              <p:txBody>
+                <a:bodyPr wrap="none" lIns="0" tIns="0" rIns="0" bIns="0" rtlCol="0">
+                  <a:spAutoFit/>
+                </a:bodyPr>
+                <a:lstStyle/>
+                <a:p>
+                  <a:pPr/>
+                  <a14:m>
+                    <m:oMathPara xmlns:m="http://schemas.openxmlformats.org/officeDocument/2006/math">
+                      <m:oMathParaPr>
+                        <m:jc m:val="centerGroup"/>
+                      </m:oMathParaPr>
+                      <m:oMath xmlns:m="http://schemas.openxmlformats.org/officeDocument/2006/math">
+                        <m:r>
+                          <a:rPr lang="en-GB" sz="1400" b="0" i="1" smtClean="0">
+                            <a:latin typeface="Cambria Math" panose="02040503050406030204" pitchFamily="18" charset="0"/>
+                          </a:rPr>
+                          <m:t>𝑃</m:t>
+                        </m:r>
+                        <m:r>
+                          <a:rPr lang="en-GB" sz="1400" b="0" i="1" smtClean="0">
+                            <a:latin typeface="Cambria Math" panose="02040503050406030204" pitchFamily="18" charset="0"/>
+                          </a:rPr>
+                          <m:t>(</m:t>
+                        </m:r>
+                        <m:r>
+                          <a:rPr lang="en-GB" sz="1400" b="0" i="1" smtClean="0">
+                            <a:latin typeface="Cambria Math" panose="02040503050406030204" pitchFamily="18" charset="0"/>
+                          </a:rPr>
+                          <m:t>𝑋</m:t>
+                        </m:r>
+                        <m:r>
+                          <a:rPr lang="en-GB" sz="1400" b="0" i="1" smtClean="0">
+                            <a:latin typeface="Cambria Math" panose="02040503050406030204" pitchFamily="18" charset="0"/>
+                          </a:rPr>
+                          <m:t>|</m:t>
+                        </m:r>
+                        <m:r>
+                          <a:rPr lang="en-GB" sz="1400" b="0" i="1" smtClean="0">
+                            <a:latin typeface="Cambria Math" panose="02040503050406030204" pitchFamily="18" charset="0"/>
+                          </a:rPr>
+                          <m:t>𝐶</m:t>
+                        </m:r>
+                        <m:r>
+                          <a:rPr lang="en-GB" sz="1400" b="0" i="1" smtClean="0">
+                            <a:latin typeface="Cambria Math" panose="02040503050406030204" pitchFamily="18" charset="0"/>
+                          </a:rPr>
+                          <m:t>)</m:t>
+                        </m:r>
+                      </m:oMath>
+                    </m:oMathPara>
+                  </a14:m>
+                  <a:endParaRPr lang="en-US" sz="1400" dirty="0">
+                    <a:latin typeface="FoundrySterling-Book" pitchFamily="2" charset="0"/>
+                  </a:endParaRPr>
+                </a:p>
+              </p:txBody>
+            </p:sp>
+          </mc:Choice>
+          <mc:Fallback xmlns="">
+            <p:sp>
+              <p:nvSpPr>
+                <p:cNvPr id="8" name="TextBox 7">
+                  <a:extLst>
+                    <a:ext uri="{FF2B5EF4-FFF2-40B4-BE49-F238E27FC236}">
+                      <a16:creationId xmlns:a16="http://schemas.microsoft.com/office/drawing/2014/main" id="{CE21B7C8-AC15-2044-BE0E-0E365116CC70}"/>
+                    </a:ext>
+                  </a:extLst>
+                </p:cNvPr>
+                <p:cNvSpPr txBox="1">
+                  <a:spLocks noRot="1" noChangeAspect="1" noMove="1" noResize="1" noEditPoints="1" noAdjustHandles="1" noChangeArrowheads="1" noChangeShapeType="1" noTextEdit="1"/>
+                </p:cNvSpPr>
+                <p:nvPr/>
+              </p:nvSpPr>
+              <p:spPr>
+                <a:xfrm>
+                  <a:off x="4359282" y="1851540"/>
+                  <a:ext cx="596894" cy="215444"/>
+                </a:xfrm>
+                <a:prstGeom prst="rect">
+                  <a:avLst/>
+                </a:prstGeom>
+                <a:blipFill>
+                  <a:blip r:embed="rId3"/>
+                  <a:stretch>
+                    <a:fillRect l="-6250" t="-5882" r="-10417" b="-35294"/>
+                  </a:stretch>
+                </a:blipFill>
+              </p:spPr>
+              <p:txBody>
+                <a:bodyPr/>
+                <a:lstStyle/>
+                <a:p>
+                  <a:r>
+                    <a:rPr lang="en-US">
+                      <a:noFill/>
+                    </a:rPr>
+                    <a:t> </a:t>
+                  </a:r>
+                </a:p>
+              </p:txBody>
+            </p:sp>
+          </mc:Fallback>
+        </mc:AlternateContent>
+        <p:sp>
+          <p:nvSpPr>
+            <p:cNvPr id="72" name="TextBox 71">
+              <a:extLst>
+                <a:ext uri="{FF2B5EF4-FFF2-40B4-BE49-F238E27FC236}">
+                  <a16:creationId xmlns:a16="http://schemas.microsoft.com/office/drawing/2014/main" id="{8215B1F5-8631-F343-859A-28ED352E86DC}"/>
+                </a:ext>
+              </a:extLst>
+            </p:cNvPr>
+            <p:cNvSpPr txBox="1"/>
+            <p:nvPr/>
+          </p:nvSpPr>
+          <p:spPr>
+            <a:xfrm>
+              <a:off x="1701622" y="2102404"/>
+              <a:ext cx="889987" cy="215444"/>
+            </a:xfrm>
+            <a:prstGeom prst="rect">
+              <a:avLst/>
+            </a:prstGeom>
+            <a:noFill/>
+          </p:spPr>
+          <p:txBody>
+            <a:bodyPr wrap="none" rtlCol="0">
+              <a:spAutoFit/>
+            </a:bodyPr>
+            <a:lstStyle/>
+            <a:p>
+              <a:r>
+                <a:rPr lang="en-US" sz="800" dirty="0">
+                  <a:solidFill>
+                    <a:srgbClr val="FF0000"/>
+                  </a:solidFill>
+                  <a:latin typeface="FoundrySterling-Book" pitchFamily="2" charset="0"/>
+                </a:rPr>
+                <a:t>“probability of X”</a:t>
+              </a:r>
+            </a:p>
+          </p:txBody>
+        </p:sp>
+        <p:sp>
+          <p:nvSpPr>
+            <p:cNvPr id="75" name="TextBox 74">
+              <a:extLst>
+                <a:ext uri="{FF2B5EF4-FFF2-40B4-BE49-F238E27FC236}">
+                  <a16:creationId xmlns:a16="http://schemas.microsoft.com/office/drawing/2014/main" id="{0883F4F7-2DC9-8F4E-B403-DE9FEAEE012B}"/>
+                </a:ext>
+              </a:extLst>
+            </p:cNvPr>
+            <p:cNvSpPr txBox="1"/>
+            <p:nvPr/>
+          </p:nvSpPr>
+          <p:spPr>
+            <a:xfrm>
+              <a:off x="4066051" y="2101474"/>
+              <a:ext cx="1231427" cy="215444"/>
+            </a:xfrm>
+            <a:prstGeom prst="rect">
+              <a:avLst/>
+            </a:prstGeom>
+            <a:noFill/>
+          </p:spPr>
+          <p:txBody>
+            <a:bodyPr wrap="none" rtlCol="0">
+              <a:spAutoFit/>
+            </a:bodyPr>
+            <a:lstStyle/>
+            <a:p>
+              <a:r>
+                <a:rPr lang="en-US" sz="800" dirty="0">
+                  <a:solidFill>
+                    <a:srgbClr val="FF0000"/>
+                  </a:solidFill>
+                  <a:latin typeface="FoundrySterling-Book" pitchFamily="2" charset="0"/>
+                </a:rPr>
+                <a:t>“probability of X given C”</a:t>
+              </a:r>
+            </a:p>
+          </p:txBody>
+        </p:sp>
+      </p:grpSp>
+      <p:sp>
+        <p:nvSpPr>
+          <p:cNvPr id="77" name="TextBox 76">
+            <a:extLst>
+              <a:ext uri="{FF2B5EF4-FFF2-40B4-BE49-F238E27FC236}">
+                <a16:creationId xmlns:a16="http://schemas.microsoft.com/office/drawing/2014/main" id="{1B47FE43-98AA-4E46-A86A-9BFEAA0C4ED7}"/>
+              </a:ext>
+            </a:extLst>
+          </p:cNvPr>
+          <p:cNvSpPr txBox="1"/>
+          <p:nvPr/>
+        </p:nvSpPr>
+        <p:spPr>
+          <a:xfrm>
+            <a:off x="482644" y="3559114"/>
+            <a:ext cx="5954193" cy="492443"/>
+          </a:xfrm>
+          <a:prstGeom prst="rect">
+            <a:avLst/>
+          </a:prstGeom>
+          <a:noFill/>
+        </p:spPr>
+        <p:txBody>
+          <a:bodyPr wrap="square" rtlCol="0">
+            <a:spAutoFit/>
+          </a:bodyPr>
+          <a:lstStyle/>
+          <a:p>
+            <a:r>
+              <a:rPr lang="en-US" sz="1400" dirty="0">
+                <a:latin typeface="FoundrySterling-Book" pitchFamily="2" charset="0"/>
+                <a:ea typeface="Verdana" panose="020B0604030504040204" pitchFamily="34" charset="0"/>
+                <a:cs typeface="Verdana" panose="020B0604030504040204" pitchFamily="34" charset="0"/>
+              </a:rPr>
+              <a:t>where C represents background information (i.e. a model).</a:t>
+            </a:r>
+          </a:p>
+          <a:p>
+            <a:r>
+              <a:rPr lang="en-US" sz="1200" dirty="0">
+                <a:solidFill>
+                  <a:srgbClr val="FF0000"/>
+                </a:solidFill>
+                <a:latin typeface="FoundrySterling-Book" pitchFamily="2" charset="0"/>
+                <a:ea typeface="Verdana" panose="020B0604030504040204" pitchFamily="34" charset="0"/>
+                <a:cs typeface="Verdana" panose="020B0604030504040204" pitchFamily="34" charset="0"/>
+              </a:rPr>
+              <a:t>C is often dropped from notation but is </a:t>
+            </a:r>
+            <a:r>
+              <a:rPr lang="en-US" sz="1200" u="sng" dirty="0">
+                <a:solidFill>
+                  <a:srgbClr val="FF0000"/>
+                </a:solidFill>
+                <a:latin typeface="FoundrySterling-Book" pitchFamily="2" charset="0"/>
+                <a:ea typeface="Verdana" panose="020B0604030504040204" pitchFamily="34" charset="0"/>
+                <a:cs typeface="Verdana" panose="020B0604030504040204" pitchFamily="34" charset="0"/>
+              </a:rPr>
+              <a:t>always there</a:t>
+            </a:r>
+            <a:r>
+              <a:rPr lang="en-US" sz="1200" dirty="0">
+                <a:solidFill>
+                  <a:srgbClr val="FF0000"/>
+                </a:solidFill>
+                <a:latin typeface="FoundrySterling-Book" pitchFamily="2" charset="0"/>
+                <a:ea typeface="Verdana" panose="020B0604030504040204" pitchFamily="34" charset="0"/>
+                <a:cs typeface="Verdana" panose="020B0604030504040204" pitchFamily="34" charset="0"/>
+              </a:rPr>
+              <a:t>.</a:t>
+            </a:r>
+          </a:p>
+        </p:txBody>
+      </p:sp>
+      <p:sp>
+        <p:nvSpPr>
+          <p:cNvPr id="78" name="TextBox 77">
+            <a:extLst>
+              <a:ext uri="{FF2B5EF4-FFF2-40B4-BE49-F238E27FC236}">
+                <a16:creationId xmlns:a16="http://schemas.microsoft.com/office/drawing/2014/main" id="{A21F760B-026F-714B-8350-9014FF88BF23}"/>
+              </a:ext>
+            </a:extLst>
+          </p:cNvPr>
+          <p:cNvSpPr txBox="1"/>
+          <p:nvPr/>
+        </p:nvSpPr>
+        <p:spPr>
+          <a:xfrm>
+            <a:off x="547218" y="4196747"/>
+            <a:ext cx="2186088" cy="276999"/>
+          </a:xfrm>
+          <a:prstGeom prst="rect">
+            <a:avLst/>
+          </a:prstGeom>
+          <a:noFill/>
+        </p:spPr>
+        <p:txBody>
+          <a:bodyPr wrap="square" rtlCol="0">
+            <a:spAutoFit/>
+          </a:bodyPr>
+          <a:lstStyle/>
+          <a:p>
+            <a:r>
+              <a:rPr lang="en-US" sz="1200" dirty="0">
+                <a:latin typeface="FoundrySterling-Book" pitchFamily="2" charset="0"/>
+              </a:rPr>
+              <a:t>e.g. P(       | die is fair) = 1/6</a:t>
+            </a:r>
+          </a:p>
+        </p:txBody>
+      </p:sp>
+      <p:grpSp>
+        <p:nvGrpSpPr>
+          <p:cNvPr id="80" name="Group 79">
+            <a:extLst>
+              <a:ext uri="{FF2B5EF4-FFF2-40B4-BE49-F238E27FC236}">
+                <a16:creationId xmlns:a16="http://schemas.microsoft.com/office/drawing/2014/main" id="{7548BDA2-C8C7-3244-B7AB-30313C7354A7}"/>
+              </a:ext>
+            </a:extLst>
+          </p:cNvPr>
+          <p:cNvGrpSpPr/>
+          <p:nvPr/>
+        </p:nvGrpSpPr>
+        <p:grpSpPr>
+          <a:xfrm>
+            <a:off x="1078650" y="4244726"/>
+            <a:ext cx="164879" cy="164879"/>
+            <a:chOff x="2087880" y="4312920"/>
+            <a:chExt cx="1021080" cy="1021080"/>
+          </a:xfrm>
+        </p:grpSpPr>
+        <p:sp>
+          <p:nvSpPr>
+            <p:cNvPr id="81" name="Rounded Rectangle 80">
+              <a:extLst>
+                <a:ext uri="{FF2B5EF4-FFF2-40B4-BE49-F238E27FC236}">
+                  <a16:creationId xmlns:a16="http://schemas.microsoft.com/office/drawing/2014/main" id="{158C195F-2E37-244C-90CF-3DB923440C29}"/>
+                </a:ext>
+              </a:extLst>
+            </p:cNvPr>
+            <p:cNvSpPr/>
+            <p:nvPr/>
+          </p:nvSpPr>
+          <p:spPr>
+            <a:xfrm>
+              <a:off x="2087880" y="4312920"/>
+              <a:ext cx="1021080" cy="1021080"/>
+            </a:xfrm>
+            <a:prstGeom prst="roundRect">
+              <a:avLst/>
+            </a:prstGeom>
+            <a:solidFill>
+              <a:schemeClr val="bg1"/>
+            </a:solidFill>
+            <a:ln w="9525">
+              <a:solidFill>
+                <a:schemeClr val="tx1"/>
+              </a:solidFill>
+            </a:ln>
+          </p:spPr>
+          <p:style>
+            <a:lnRef idx="2">
+              <a:schemeClr val="accent1">
+                <a:shade val="50000"/>
+              </a:schemeClr>
+            </a:lnRef>
+            <a:fillRef idx="1">
+              <a:schemeClr val="accent1"/>
+            </a:fillRef>
+            <a:effectRef idx="0">
+              <a:schemeClr val="accent1"/>
+            </a:effectRef>
+            <a:fontRef idx="minor">
+              <a:schemeClr val="lt1"/>
+            </a:fontRef>
+          </p:style>
+          <p:txBody>
+            <a:bodyPr rtlCol="0" anchor="ctr"/>
+            <a:lstStyle/>
+            <a:p>
+              <a:pPr algn="ctr"/>
+              <a:endParaRPr lang="en-US" dirty="0"/>
+            </a:p>
+          </p:txBody>
+        </p:sp>
+        <p:sp>
+          <p:nvSpPr>
+            <p:cNvPr id="83" name="Oval 82">
+              <a:extLst>
+                <a:ext uri="{FF2B5EF4-FFF2-40B4-BE49-F238E27FC236}">
+                  <a16:creationId xmlns:a16="http://schemas.microsoft.com/office/drawing/2014/main" id="{4D591C52-F356-8849-BC8A-DF91EF006405}"/>
+                </a:ext>
+              </a:extLst>
+            </p:cNvPr>
+            <p:cNvSpPr/>
+            <p:nvPr/>
+          </p:nvSpPr>
+          <p:spPr>
+            <a:xfrm>
+              <a:off x="2731808" y="4474814"/>
+              <a:ext cx="167640" cy="167640"/>
+            </a:xfrm>
+            <a:prstGeom prst="ellipse">
+              <a:avLst/>
+            </a:prstGeom>
+            <a:gradFill flip="none" rotWithShape="1">
+              <a:gsLst>
+                <a:gs pos="0">
+                  <a:schemeClr val="tx1"/>
+                </a:gs>
+                <a:gs pos="91000">
+                  <a:schemeClr val="dk1">
+                    <a:tint val="44500"/>
+                    <a:satMod val="160000"/>
+                  </a:schemeClr>
+                </a:gs>
+                <a:gs pos="100000">
+                  <a:schemeClr val="bg1"/>
+                </a:gs>
+              </a:gsLst>
+              <a:path path="circle">
+                <a:fillToRect l="50000" t="50000" r="50000" b="50000"/>
+              </a:path>
+              <a:tileRect/>
+            </a:gradFill>
+            <a:ln>
+              <a:solidFill>
+                <a:schemeClr val="tx1"/>
+              </a:solidFill>
+            </a:ln>
+          </p:spPr>
+          <p:style>
+            <a:lnRef idx="2">
+              <a:schemeClr val="dk1">
+                <a:shade val="50000"/>
+              </a:schemeClr>
+            </a:lnRef>
+            <a:fillRef idx="1">
+              <a:schemeClr val="dk1"/>
+            </a:fillRef>
+            <a:effectRef idx="0">
+              <a:schemeClr val="dk1"/>
+            </a:effectRef>
+            <a:fontRef idx="minor">
+              <a:schemeClr val="lt1"/>
+            </a:fontRef>
+          </p:style>
+          <p:txBody>
+            <a:bodyPr rtlCol="0" anchor="ctr"/>
+            <a:lstStyle/>
+            <a:p>
+              <a:pPr algn="ctr"/>
+              <a:endParaRPr lang="en-US"/>
+            </a:p>
+          </p:txBody>
+        </p:sp>
+        <p:sp>
+          <p:nvSpPr>
+            <p:cNvPr id="84" name="Oval 83">
+              <a:extLst>
+                <a:ext uri="{FF2B5EF4-FFF2-40B4-BE49-F238E27FC236}">
+                  <a16:creationId xmlns:a16="http://schemas.microsoft.com/office/drawing/2014/main" id="{EEB1899B-FA77-1047-A9EF-3B036A54898B}"/>
+                </a:ext>
+              </a:extLst>
+            </p:cNvPr>
+            <p:cNvSpPr/>
+            <p:nvPr/>
+          </p:nvSpPr>
+          <p:spPr>
+            <a:xfrm>
+              <a:off x="2731808" y="4741077"/>
+              <a:ext cx="167640" cy="167640"/>
+            </a:xfrm>
+            <a:prstGeom prst="ellipse">
+              <a:avLst/>
+            </a:prstGeom>
+            <a:gradFill flip="none" rotWithShape="1">
+              <a:gsLst>
+                <a:gs pos="0">
+                  <a:schemeClr val="tx1"/>
+                </a:gs>
+                <a:gs pos="91000">
+                  <a:schemeClr val="dk1">
+                    <a:tint val="44500"/>
+                    <a:satMod val="160000"/>
+                  </a:schemeClr>
+                </a:gs>
+                <a:gs pos="100000">
+                  <a:schemeClr val="bg1"/>
+                </a:gs>
+              </a:gsLst>
+              <a:path path="circle">
+                <a:fillToRect l="50000" t="50000" r="50000" b="50000"/>
+              </a:path>
+              <a:tileRect/>
+            </a:gradFill>
+            <a:ln>
+              <a:solidFill>
+                <a:schemeClr val="tx1"/>
+              </a:solidFill>
+            </a:ln>
+          </p:spPr>
+          <p:style>
+            <a:lnRef idx="2">
+              <a:schemeClr val="dk1">
+                <a:shade val="50000"/>
+              </a:schemeClr>
+            </a:lnRef>
+            <a:fillRef idx="1">
+              <a:schemeClr val="dk1"/>
+            </a:fillRef>
+            <a:effectRef idx="0">
+              <a:schemeClr val="dk1"/>
+            </a:effectRef>
+            <a:fontRef idx="minor">
+              <a:schemeClr val="lt1"/>
+            </a:fontRef>
+          </p:style>
+          <p:txBody>
+            <a:bodyPr rtlCol="0" anchor="ctr"/>
+            <a:lstStyle/>
+            <a:p>
+              <a:pPr algn="ctr"/>
+              <a:endParaRPr lang="en-US"/>
+            </a:p>
+          </p:txBody>
+        </p:sp>
+        <p:sp>
+          <p:nvSpPr>
+            <p:cNvPr id="85" name="Oval 84">
+              <a:extLst>
+                <a:ext uri="{FF2B5EF4-FFF2-40B4-BE49-F238E27FC236}">
+                  <a16:creationId xmlns:a16="http://schemas.microsoft.com/office/drawing/2014/main" id="{F9B408DE-6962-7B46-8155-42CD4431A0DF}"/>
+                </a:ext>
+              </a:extLst>
+            </p:cNvPr>
+            <p:cNvSpPr/>
+            <p:nvPr/>
+          </p:nvSpPr>
+          <p:spPr>
+            <a:xfrm>
+              <a:off x="2731808" y="5007341"/>
+              <a:ext cx="167640" cy="167640"/>
+            </a:xfrm>
+            <a:prstGeom prst="ellipse">
+              <a:avLst/>
+            </a:prstGeom>
+            <a:gradFill flip="none" rotWithShape="1">
+              <a:gsLst>
+                <a:gs pos="0">
+                  <a:schemeClr val="tx1"/>
+                </a:gs>
+                <a:gs pos="91000">
+                  <a:schemeClr val="dk1">
+                    <a:tint val="44500"/>
+                    <a:satMod val="160000"/>
+                  </a:schemeClr>
+                </a:gs>
+                <a:gs pos="100000">
+                  <a:schemeClr val="bg1"/>
+                </a:gs>
+              </a:gsLst>
+              <a:path path="circle">
+                <a:fillToRect l="50000" t="50000" r="50000" b="50000"/>
+              </a:path>
+              <a:tileRect/>
+            </a:gradFill>
+            <a:ln>
+              <a:solidFill>
+                <a:schemeClr val="tx1"/>
+              </a:solidFill>
+            </a:ln>
+          </p:spPr>
+          <p:style>
+            <a:lnRef idx="2">
+              <a:schemeClr val="dk1">
+                <a:shade val="50000"/>
+              </a:schemeClr>
+            </a:lnRef>
+            <a:fillRef idx="1">
+              <a:schemeClr val="dk1"/>
+            </a:fillRef>
+            <a:effectRef idx="0">
+              <a:schemeClr val="dk1"/>
+            </a:effectRef>
+            <a:fontRef idx="minor">
+              <a:schemeClr val="lt1"/>
+            </a:fontRef>
+          </p:style>
+          <p:txBody>
+            <a:bodyPr rtlCol="0" anchor="ctr"/>
+            <a:lstStyle/>
+            <a:p>
+              <a:pPr algn="ctr"/>
+              <a:endParaRPr lang="en-US"/>
+            </a:p>
+          </p:txBody>
+        </p:sp>
+        <p:sp>
+          <p:nvSpPr>
+            <p:cNvPr id="97" name="Oval 96">
+              <a:extLst>
+                <a:ext uri="{FF2B5EF4-FFF2-40B4-BE49-F238E27FC236}">
+                  <a16:creationId xmlns:a16="http://schemas.microsoft.com/office/drawing/2014/main" id="{B20DDB1E-B79D-E84F-97E8-B50E6D6C9583}"/>
+                </a:ext>
+              </a:extLst>
+            </p:cNvPr>
+            <p:cNvSpPr/>
+            <p:nvPr/>
+          </p:nvSpPr>
+          <p:spPr>
+            <a:xfrm>
+              <a:off x="2298592" y="4474814"/>
+              <a:ext cx="167640" cy="167640"/>
+            </a:xfrm>
+            <a:prstGeom prst="ellipse">
+              <a:avLst/>
+            </a:prstGeom>
+            <a:gradFill flip="none" rotWithShape="1">
+              <a:gsLst>
+                <a:gs pos="0">
+                  <a:schemeClr val="tx1"/>
+                </a:gs>
+                <a:gs pos="91000">
+                  <a:schemeClr val="dk1">
+                    <a:tint val="44500"/>
+                    <a:satMod val="160000"/>
+                  </a:schemeClr>
+                </a:gs>
+                <a:gs pos="100000">
+                  <a:schemeClr val="bg1"/>
+                </a:gs>
+              </a:gsLst>
+              <a:path path="circle">
+                <a:fillToRect l="50000" t="50000" r="50000" b="50000"/>
+              </a:path>
+              <a:tileRect/>
+            </a:gradFill>
+            <a:ln>
+              <a:solidFill>
+                <a:schemeClr val="tx1"/>
+              </a:solidFill>
+            </a:ln>
+          </p:spPr>
+          <p:style>
+            <a:lnRef idx="2">
+              <a:schemeClr val="dk1">
+                <a:shade val="50000"/>
+              </a:schemeClr>
+            </a:lnRef>
+            <a:fillRef idx="1">
+              <a:schemeClr val="dk1"/>
+            </a:fillRef>
+            <a:effectRef idx="0">
+              <a:schemeClr val="dk1"/>
+            </a:effectRef>
+            <a:fontRef idx="minor">
+              <a:schemeClr val="lt1"/>
+            </a:fontRef>
+          </p:style>
+          <p:txBody>
+            <a:bodyPr rtlCol="0" anchor="ctr"/>
+            <a:lstStyle/>
+            <a:p>
+              <a:pPr algn="ctr"/>
+              <a:endParaRPr lang="en-US"/>
+            </a:p>
+          </p:txBody>
+        </p:sp>
+        <p:sp>
+          <p:nvSpPr>
+            <p:cNvPr id="99" name="Oval 98">
+              <a:extLst>
+                <a:ext uri="{FF2B5EF4-FFF2-40B4-BE49-F238E27FC236}">
+                  <a16:creationId xmlns:a16="http://schemas.microsoft.com/office/drawing/2014/main" id="{8C71BF5C-F1CD-E84E-BBD1-ACD0674866E0}"/>
+                </a:ext>
+              </a:extLst>
+            </p:cNvPr>
+            <p:cNvSpPr/>
+            <p:nvPr/>
+          </p:nvSpPr>
+          <p:spPr>
+            <a:xfrm>
+              <a:off x="2298592" y="4741077"/>
+              <a:ext cx="167640" cy="167640"/>
+            </a:xfrm>
+            <a:prstGeom prst="ellipse">
+              <a:avLst/>
+            </a:prstGeom>
+            <a:gradFill flip="none" rotWithShape="1">
+              <a:gsLst>
+                <a:gs pos="0">
+                  <a:schemeClr val="tx1"/>
+                </a:gs>
+                <a:gs pos="91000">
+                  <a:schemeClr val="dk1">
+                    <a:tint val="44500"/>
+                    <a:satMod val="160000"/>
+                  </a:schemeClr>
+                </a:gs>
+                <a:gs pos="100000">
+                  <a:schemeClr val="bg1"/>
+                </a:gs>
+              </a:gsLst>
+              <a:path path="circle">
+                <a:fillToRect l="50000" t="50000" r="50000" b="50000"/>
+              </a:path>
+              <a:tileRect/>
+            </a:gradFill>
+            <a:ln>
+              <a:solidFill>
+                <a:schemeClr val="tx1"/>
+              </a:solidFill>
+            </a:ln>
+          </p:spPr>
+          <p:style>
+            <a:lnRef idx="2">
+              <a:schemeClr val="dk1">
+                <a:shade val="50000"/>
+              </a:schemeClr>
+            </a:lnRef>
+            <a:fillRef idx="1">
+              <a:schemeClr val="dk1"/>
+            </a:fillRef>
+            <a:effectRef idx="0">
+              <a:schemeClr val="dk1"/>
+            </a:effectRef>
+            <a:fontRef idx="minor">
+              <a:schemeClr val="lt1"/>
+            </a:fontRef>
+          </p:style>
+          <p:txBody>
+            <a:bodyPr rtlCol="0" anchor="ctr"/>
+            <a:lstStyle/>
+            <a:p>
+              <a:pPr algn="ctr"/>
+              <a:endParaRPr lang="en-US"/>
+            </a:p>
+          </p:txBody>
+        </p:sp>
+        <p:sp>
+          <p:nvSpPr>
+            <p:cNvPr id="104" name="Oval 103">
+              <a:extLst>
+                <a:ext uri="{FF2B5EF4-FFF2-40B4-BE49-F238E27FC236}">
+                  <a16:creationId xmlns:a16="http://schemas.microsoft.com/office/drawing/2014/main" id="{AC754A72-481E-C045-9919-CA387E546A1C}"/>
+                </a:ext>
+              </a:extLst>
+            </p:cNvPr>
+            <p:cNvSpPr/>
+            <p:nvPr/>
+          </p:nvSpPr>
+          <p:spPr>
+            <a:xfrm>
+              <a:off x="2298592" y="5007341"/>
+              <a:ext cx="167640" cy="167640"/>
+            </a:xfrm>
+            <a:prstGeom prst="ellipse">
+              <a:avLst/>
+            </a:prstGeom>
+            <a:gradFill flip="none" rotWithShape="1">
+              <a:gsLst>
+                <a:gs pos="0">
+                  <a:schemeClr val="tx1"/>
+                </a:gs>
+                <a:gs pos="91000">
+                  <a:schemeClr val="dk1">
+                    <a:tint val="44500"/>
+                    <a:satMod val="160000"/>
+                  </a:schemeClr>
+                </a:gs>
+                <a:gs pos="100000">
+                  <a:schemeClr val="bg1"/>
+                </a:gs>
+              </a:gsLst>
+              <a:path path="circle">
+                <a:fillToRect l="50000" t="50000" r="50000" b="50000"/>
+              </a:path>
+              <a:tileRect/>
+            </a:gradFill>
+            <a:ln>
+              <a:solidFill>
+                <a:schemeClr val="tx1"/>
+              </a:solidFill>
+            </a:ln>
+          </p:spPr>
+          <p:style>
+            <a:lnRef idx="2">
+              <a:schemeClr val="dk1">
+                <a:shade val="50000"/>
+              </a:schemeClr>
+            </a:lnRef>
+            <a:fillRef idx="1">
+              <a:schemeClr val="dk1"/>
+            </a:fillRef>
+            <a:effectRef idx="0">
+              <a:schemeClr val="dk1"/>
+            </a:effectRef>
+            <a:fontRef idx="minor">
+              <a:schemeClr val="lt1"/>
+            </a:fontRef>
+          </p:style>
+          <p:txBody>
+            <a:bodyPr rtlCol="0" anchor="ctr"/>
+            <a:lstStyle/>
+            <a:p>
+              <a:pPr algn="ctr"/>
+              <a:endParaRPr lang="en-US"/>
+            </a:p>
+          </p:txBody>
+        </p:sp>
+      </p:grpSp>
+      <p:sp>
+        <p:nvSpPr>
+          <p:cNvPr id="105" name="TextBox 104">
+            <a:extLst>
+              <a:ext uri="{FF2B5EF4-FFF2-40B4-BE49-F238E27FC236}">
+                <a16:creationId xmlns:a16="http://schemas.microsoft.com/office/drawing/2014/main" id="{252DA5D3-94C1-E843-8ACE-03187B8FA001}"/>
+              </a:ext>
+            </a:extLst>
+          </p:cNvPr>
+          <p:cNvSpPr txBox="1"/>
+          <p:nvPr/>
+        </p:nvSpPr>
+        <p:spPr>
+          <a:xfrm>
+            <a:off x="2972432" y="4196747"/>
+            <a:ext cx="2592922" cy="276999"/>
+          </a:xfrm>
+          <a:prstGeom prst="rect">
+            <a:avLst/>
+          </a:prstGeom>
+          <a:noFill/>
+        </p:spPr>
+        <p:txBody>
+          <a:bodyPr wrap="square" rtlCol="0">
+            <a:spAutoFit/>
+          </a:bodyPr>
+          <a:lstStyle/>
+          <a:p>
+            <a:r>
+              <a:rPr lang="en-US" sz="1200" dirty="0">
+                <a:latin typeface="FoundrySterling-Book" pitchFamily="2" charset="0"/>
+              </a:rPr>
+              <a:t>P( transmission | infection rates)</a:t>
+            </a:r>
+          </a:p>
+        </p:txBody>
+      </p:sp>
+      <p:sp>
+        <p:nvSpPr>
+          <p:cNvPr id="106" name="TextBox 105">
+            <a:extLst>
+              <a:ext uri="{FF2B5EF4-FFF2-40B4-BE49-F238E27FC236}">
+                <a16:creationId xmlns:a16="http://schemas.microsoft.com/office/drawing/2014/main" id="{29168A13-CC2C-024E-894D-7A87C1DF7493}"/>
+              </a:ext>
+            </a:extLst>
+          </p:cNvPr>
+          <p:cNvSpPr txBox="1"/>
+          <p:nvPr/>
+        </p:nvSpPr>
+        <p:spPr>
+          <a:xfrm>
+            <a:off x="5565354" y="4196747"/>
+            <a:ext cx="503039" cy="276999"/>
+          </a:xfrm>
+          <a:prstGeom prst="rect">
+            <a:avLst/>
+          </a:prstGeom>
+          <a:noFill/>
+        </p:spPr>
+        <p:txBody>
+          <a:bodyPr wrap="square" rtlCol="0">
+            <a:spAutoFit/>
+          </a:bodyPr>
+          <a:lstStyle/>
+          <a:p>
+            <a:r>
+              <a:rPr lang="en-US" sz="1200" dirty="0">
+                <a:latin typeface="FoundrySterling-Book" pitchFamily="2" charset="0"/>
+              </a:rPr>
+              <a:t>etc.</a:t>
+            </a:r>
+          </a:p>
+        </p:txBody>
+      </p:sp>
+      <p:sp>
+        <p:nvSpPr>
+          <p:cNvPr id="107" name="TextBox 106">
+            <a:extLst>
+              <a:ext uri="{FF2B5EF4-FFF2-40B4-BE49-F238E27FC236}">
+                <a16:creationId xmlns:a16="http://schemas.microsoft.com/office/drawing/2014/main" id="{DA48A148-C14B-0146-B5E0-C31F0BBE4A77}"/>
+              </a:ext>
+            </a:extLst>
+          </p:cNvPr>
+          <p:cNvSpPr txBox="1"/>
+          <p:nvPr/>
+        </p:nvSpPr>
+        <p:spPr>
+          <a:xfrm>
+            <a:off x="1299843" y="4419320"/>
+            <a:ext cx="715260" cy="215444"/>
+          </a:xfrm>
+          <a:prstGeom prst="rect">
+            <a:avLst/>
+          </a:prstGeom>
+          <a:noFill/>
+        </p:spPr>
+        <p:txBody>
+          <a:bodyPr wrap="none" rtlCol="0">
+            <a:spAutoFit/>
+          </a:bodyPr>
+          <a:lstStyle/>
+          <a:p>
+            <a:r>
+              <a:rPr lang="en-US" sz="800" dirty="0">
+                <a:solidFill>
+                  <a:srgbClr val="FF0000"/>
+                </a:solidFill>
+                <a:latin typeface="FoundrySterling-Book" pitchFamily="2" charset="0"/>
+              </a:rPr>
+              <a:t>Model of die</a:t>
+            </a:r>
+          </a:p>
+        </p:txBody>
+      </p:sp>
+      <p:sp>
+        <p:nvSpPr>
+          <p:cNvPr id="108" name="TextBox 107">
+            <a:extLst>
+              <a:ext uri="{FF2B5EF4-FFF2-40B4-BE49-F238E27FC236}">
+                <a16:creationId xmlns:a16="http://schemas.microsoft.com/office/drawing/2014/main" id="{5ADA2A50-BE6E-A742-8CA0-8813AFA1874B}"/>
+              </a:ext>
+            </a:extLst>
+          </p:cNvPr>
+          <p:cNvSpPr txBox="1"/>
+          <p:nvPr/>
+        </p:nvSpPr>
+        <p:spPr>
+          <a:xfrm>
+            <a:off x="4083051" y="4419320"/>
+            <a:ext cx="962123" cy="215444"/>
+          </a:xfrm>
+          <a:prstGeom prst="rect">
+            <a:avLst/>
+          </a:prstGeom>
+          <a:noFill/>
+        </p:spPr>
+        <p:txBody>
+          <a:bodyPr wrap="none" rtlCol="0">
+            <a:spAutoFit/>
+          </a:bodyPr>
+          <a:lstStyle/>
+          <a:p>
+            <a:r>
+              <a:rPr lang="en-US" sz="800" dirty="0">
+                <a:solidFill>
+                  <a:srgbClr val="FF0000"/>
+                </a:solidFill>
+                <a:latin typeface="FoundrySterling-Book" pitchFamily="2" charset="0"/>
+              </a:rPr>
+              <a:t>Model of infection</a:t>
+            </a:r>
+          </a:p>
+        </p:txBody>
+      </p:sp>
+      <p:sp>
+        <p:nvSpPr>
+          <p:cNvPr id="109" name="TextBox 108">
+            <a:extLst>
+              <a:ext uri="{FF2B5EF4-FFF2-40B4-BE49-F238E27FC236}">
+                <a16:creationId xmlns:a16="http://schemas.microsoft.com/office/drawing/2014/main" id="{88BEED99-C736-AA44-8A8C-C19A910606ED}"/>
+              </a:ext>
+            </a:extLst>
+          </p:cNvPr>
+          <p:cNvSpPr txBox="1"/>
+          <p:nvPr/>
+        </p:nvSpPr>
+        <p:spPr>
+          <a:xfrm>
+            <a:off x="308990" y="942234"/>
+            <a:ext cx="2850460" cy="307777"/>
+          </a:xfrm>
+          <a:prstGeom prst="rect">
+            <a:avLst/>
+          </a:prstGeom>
+          <a:noFill/>
+        </p:spPr>
+        <p:txBody>
+          <a:bodyPr wrap="none" rtlCol="0">
+            <a:spAutoFit/>
+          </a:bodyPr>
+          <a:lstStyle/>
+          <a:p>
+            <a:r>
+              <a:rPr lang="en-US" sz="1400" dirty="0">
+                <a:latin typeface="FoundrySterling-Book" pitchFamily="2" charset="0"/>
+              </a:rPr>
+              <a:t>1. </a:t>
+            </a:r>
+            <a:r>
+              <a:rPr lang="en-US" sz="1400" b="1" dirty="0">
+                <a:latin typeface="FoundrySterling-Book" pitchFamily="2" charset="0"/>
+              </a:rPr>
+              <a:t>Probability expresses uncertainty</a:t>
+            </a:r>
+            <a:r>
+              <a:rPr lang="en-US" sz="1400" dirty="0">
+                <a:latin typeface="FoundrySterling-Book" pitchFamily="2" charset="0"/>
+              </a:rPr>
+              <a:t>:</a:t>
+            </a:r>
+          </a:p>
+        </p:txBody>
+      </p:sp>
+      <p:sp>
+        <p:nvSpPr>
+          <p:cNvPr id="110" name="TextBox 109">
+            <a:extLst>
+              <a:ext uri="{FF2B5EF4-FFF2-40B4-BE49-F238E27FC236}">
+                <a16:creationId xmlns:a16="http://schemas.microsoft.com/office/drawing/2014/main" id="{3FEC4EE6-9A05-384B-B814-A1941417C6AA}"/>
+              </a:ext>
+            </a:extLst>
+          </p:cNvPr>
+          <p:cNvSpPr txBox="1"/>
+          <p:nvPr/>
+        </p:nvSpPr>
+        <p:spPr>
+          <a:xfrm>
+            <a:off x="2375061" y="1376141"/>
+            <a:ext cx="2023311" cy="307777"/>
+          </a:xfrm>
+          <a:prstGeom prst="rect">
+            <a:avLst/>
+          </a:prstGeom>
+          <a:noFill/>
+        </p:spPr>
+        <p:txBody>
+          <a:bodyPr wrap="none" rtlCol="0">
+            <a:spAutoFit/>
+          </a:bodyPr>
+          <a:lstStyle/>
+          <a:p>
+            <a:r>
+              <a:rPr lang="en-US" sz="1400" dirty="0">
+                <a:latin typeface="FoundrySterling-Book" pitchFamily="2" charset="0"/>
+              </a:rPr>
+              <a:t>=&gt; “X definitely not true”</a:t>
+            </a:r>
+          </a:p>
+        </p:txBody>
+      </p:sp>
+      <p:sp>
+        <p:nvSpPr>
+          <p:cNvPr id="111" name="TextBox 110">
+            <a:extLst>
+              <a:ext uri="{FF2B5EF4-FFF2-40B4-BE49-F238E27FC236}">
+                <a16:creationId xmlns:a16="http://schemas.microsoft.com/office/drawing/2014/main" id="{EE1D3C64-5C13-994A-9DB4-B0BE0485A50D}"/>
+              </a:ext>
+            </a:extLst>
+          </p:cNvPr>
+          <p:cNvSpPr txBox="1"/>
+          <p:nvPr/>
+        </p:nvSpPr>
+        <p:spPr>
+          <a:xfrm>
+            <a:off x="2375061" y="1673861"/>
+            <a:ext cx="1729961" cy="307777"/>
+          </a:xfrm>
+          <a:prstGeom prst="rect">
+            <a:avLst/>
+          </a:prstGeom>
+          <a:noFill/>
+        </p:spPr>
+        <p:txBody>
+          <a:bodyPr wrap="none" rtlCol="0">
+            <a:spAutoFit/>
+          </a:bodyPr>
+          <a:lstStyle/>
+          <a:p>
+            <a:r>
+              <a:rPr lang="en-US" sz="1400" dirty="0">
+                <a:latin typeface="FoundrySterling-Book" pitchFamily="2" charset="0"/>
+              </a:rPr>
+              <a:t>=&gt; “X definitely true”</a:t>
+            </a:r>
+          </a:p>
+        </p:txBody>
+      </p:sp>
+      <mc:AlternateContent xmlns:mc="http://schemas.openxmlformats.org/markup-compatibility/2006">
+        <mc:Choice xmlns:a14="http://schemas.microsoft.com/office/drawing/2010/main" Requires="a14">
+          <p:sp>
+            <p:nvSpPr>
+              <p:cNvPr id="112" name="TextBox 111">
+                <a:extLst>
+                  <a:ext uri="{FF2B5EF4-FFF2-40B4-BE49-F238E27FC236}">
+                    <a16:creationId xmlns:a16="http://schemas.microsoft.com/office/drawing/2014/main" id="{E8DB8B13-A9AA-624A-B7A4-62DCF0AACE7F}"/>
+                  </a:ext>
+                </a:extLst>
+              </p:cNvPr>
+              <p:cNvSpPr txBox="1"/>
+              <p:nvPr/>
+            </p:nvSpPr>
+            <p:spPr>
+              <a:xfrm>
+                <a:off x="807304" y="1990459"/>
+                <a:ext cx="1270989" cy="276999"/>
+              </a:xfrm>
+              <a:prstGeom prst="rect">
+                <a:avLst/>
+              </a:prstGeom>
+              <a:noFill/>
+            </p:spPr>
+            <p:txBody>
+              <a:bodyPr wrap="none" rtlCol="0">
+                <a:spAutoFit/>
+              </a:bodyPr>
+              <a:lstStyle/>
+              <a:p>
+                <a:pPr/>
+                <a14:m>
+                  <m:oMathPara xmlns:m="http://schemas.openxmlformats.org/officeDocument/2006/math">
+                    <m:oMathParaPr>
+                      <m:jc m:val="centerGroup"/>
+                    </m:oMathParaPr>
+                    <m:oMath xmlns:m="http://schemas.openxmlformats.org/officeDocument/2006/math">
+                      <m:r>
+                        <a:rPr lang="en-GB" sz="1200" b="0" i="1" smtClean="0">
+                          <a:latin typeface="Cambria Math" panose="02040503050406030204" pitchFamily="18" charset="0"/>
+                        </a:rPr>
+                        <m:t>0&lt;</m:t>
+                      </m:r>
+                      <m:r>
+                        <a:rPr lang="en-GB" sz="1200" b="0" i="1" smtClean="0">
+                          <a:latin typeface="Cambria Math" panose="02040503050406030204" pitchFamily="18" charset="0"/>
+                        </a:rPr>
+                        <m:t>𝑃</m:t>
+                      </m:r>
+                      <m:d>
+                        <m:dPr>
+                          <m:ctrlPr>
+                            <a:rPr lang="en-GB" sz="1200" b="0" i="1" smtClean="0">
+                              <a:latin typeface="Cambria Math" panose="02040503050406030204" pitchFamily="18" charset="0"/>
+                            </a:rPr>
+                          </m:ctrlPr>
+                        </m:dPr>
+                        <m:e>
+                          <m:r>
+                            <a:rPr lang="en-GB" sz="1200" b="0" i="1" smtClean="0">
+                              <a:latin typeface="Cambria Math" panose="02040503050406030204" pitchFamily="18" charset="0"/>
+                            </a:rPr>
+                            <m:t>𝑋</m:t>
+                          </m:r>
+                        </m:e>
+                        <m:e>
+                          <m:r>
+                            <a:rPr lang="en-GB" sz="1200" b="0" i="1" smtClean="0">
+                              <a:latin typeface="Cambria Math" panose="02040503050406030204" pitchFamily="18" charset="0"/>
+                            </a:rPr>
+                            <m:t>𝐶</m:t>
+                          </m:r>
+                        </m:e>
+                      </m:d>
+                      <m:r>
+                        <a:rPr lang="en-GB" sz="1200" b="0" i="1" smtClean="0">
+                          <a:latin typeface="Cambria Math" panose="02040503050406030204" pitchFamily="18" charset="0"/>
+                        </a:rPr>
+                        <m:t>&lt;1</m:t>
+                      </m:r>
+                    </m:oMath>
+                  </m:oMathPara>
+                </a14:m>
+                <a:endParaRPr lang="en-US" sz="1200" dirty="0">
+                  <a:latin typeface="FoundrySterling-Book" pitchFamily="2" charset="0"/>
+                </a:endParaRPr>
+              </a:p>
+            </p:txBody>
+          </p:sp>
+        </mc:Choice>
+        <mc:Fallback>
+          <p:sp>
+            <p:nvSpPr>
+              <p:cNvPr id="112" name="TextBox 111">
+                <a:extLst>
+                  <a:ext uri="{FF2B5EF4-FFF2-40B4-BE49-F238E27FC236}">
+                    <a16:creationId xmlns:a16="http://schemas.microsoft.com/office/drawing/2014/main" id="{E8DB8B13-A9AA-624A-B7A4-62DCF0AACE7F}"/>
+                  </a:ext>
+                </a:extLst>
+              </p:cNvPr>
+              <p:cNvSpPr txBox="1">
+                <a:spLocks noRot="1" noChangeAspect="1" noMove="1" noResize="1" noEditPoints="1" noAdjustHandles="1" noChangeArrowheads="1" noChangeShapeType="1" noTextEdit="1"/>
+              </p:cNvSpPr>
+              <p:nvPr/>
+            </p:nvSpPr>
+            <p:spPr>
+              <a:xfrm>
+                <a:off x="807304" y="1990459"/>
+                <a:ext cx="1270989" cy="276999"/>
+              </a:xfrm>
+              <a:prstGeom prst="rect">
+                <a:avLst/>
+              </a:prstGeom>
+              <a:blipFill>
+                <a:blip r:embed="rId16"/>
+                <a:stretch>
+                  <a:fillRect/>
+                </a:stretch>
+              </a:blipFill>
+            </p:spPr>
+            <p:txBody>
+              <a:bodyPr/>
+              <a:lstStyle/>
+              <a:p>
+                <a:r>
+                  <a:rPr lang="en-US">
+                    <a:noFill/>
+                  </a:rPr>
+                  <a:t> </a:t>
+                </a:r>
+              </a:p>
+            </p:txBody>
+          </p:sp>
+        </mc:Fallback>
+      </mc:AlternateContent>
+      <p:sp>
+        <p:nvSpPr>
+          <p:cNvPr id="113" name="TextBox 112">
+            <a:extLst>
+              <a:ext uri="{FF2B5EF4-FFF2-40B4-BE49-F238E27FC236}">
+                <a16:creationId xmlns:a16="http://schemas.microsoft.com/office/drawing/2014/main" id="{55ACBD1C-A191-0D4A-B08F-4121EBF6C10B}"/>
+              </a:ext>
+            </a:extLst>
+          </p:cNvPr>
+          <p:cNvSpPr txBox="1"/>
+          <p:nvPr/>
+        </p:nvSpPr>
+        <p:spPr>
+          <a:xfrm>
+            <a:off x="2375061" y="1961738"/>
+            <a:ext cx="2281394" cy="307777"/>
+          </a:xfrm>
+          <a:prstGeom prst="rect">
+            <a:avLst/>
+          </a:prstGeom>
+          <a:noFill/>
+        </p:spPr>
+        <p:txBody>
+          <a:bodyPr wrap="none" rtlCol="0">
+            <a:spAutoFit/>
+          </a:bodyPr>
+          <a:lstStyle/>
+          <a:p>
+            <a:r>
+              <a:rPr lang="en-US" sz="1400" dirty="0">
+                <a:latin typeface="FoundrySterling-Book" pitchFamily="2" charset="0"/>
+              </a:rPr>
+              <a:t>=&gt; we are uncertain about X</a:t>
+            </a:r>
+          </a:p>
+        </p:txBody>
+      </p:sp>
+      <mc:AlternateContent xmlns:mc="http://schemas.openxmlformats.org/markup-compatibility/2006">
+        <mc:Choice xmlns:a14="http://schemas.microsoft.com/office/drawing/2010/main" Requires="a14">
+          <p:sp>
+            <p:nvSpPr>
+              <p:cNvPr id="114" name="TextBox 113">
+                <a:extLst>
+                  <a:ext uri="{FF2B5EF4-FFF2-40B4-BE49-F238E27FC236}">
+                    <a16:creationId xmlns:a16="http://schemas.microsoft.com/office/drawing/2014/main" id="{2913E6D9-5C98-9A4F-9332-E73B1FEEF3BB}"/>
+                  </a:ext>
+                </a:extLst>
+              </p:cNvPr>
+              <p:cNvSpPr txBox="1"/>
+              <p:nvPr/>
+            </p:nvSpPr>
+            <p:spPr>
+              <a:xfrm>
+                <a:off x="807304" y="1362724"/>
+                <a:ext cx="985078" cy="276999"/>
+              </a:xfrm>
+              <a:prstGeom prst="rect">
+                <a:avLst/>
+              </a:prstGeom>
+              <a:noFill/>
+            </p:spPr>
+            <p:txBody>
+              <a:bodyPr wrap="none" rtlCol="0">
+                <a:spAutoFit/>
+              </a:bodyPr>
+              <a:lstStyle/>
+              <a:p>
+                <a:pPr/>
+                <a14:m>
+                  <m:oMathPara xmlns:m="http://schemas.openxmlformats.org/officeDocument/2006/math">
+                    <m:oMathParaPr>
+                      <m:jc m:val="centerGroup"/>
+                    </m:oMathParaPr>
+                    <m:oMath xmlns:m="http://schemas.openxmlformats.org/officeDocument/2006/math">
+                      <m:r>
+                        <a:rPr lang="en-GB" sz="1200" b="0" i="1" smtClean="0">
+                          <a:latin typeface="Cambria Math" panose="02040503050406030204" pitchFamily="18" charset="0"/>
+                        </a:rPr>
+                        <m:t>𝑃</m:t>
+                      </m:r>
+                      <m:d>
+                        <m:dPr>
+                          <m:ctrlPr>
+                            <a:rPr lang="en-GB" sz="1200" b="0" i="1" smtClean="0">
+                              <a:latin typeface="Cambria Math" panose="02040503050406030204" pitchFamily="18" charset="0"/>
+                            </a:rPr>
+                          </m:ctrlPr>
+                        </m:dPr>
+                        <m:e>
+                          <m:r>
+                            <a:rPr lang="en-GB" sz="1200" b="0" i="1" smtClean="0">
+                              <a:latin typeface="Cambria Math" panose="02040503050406030204" pitchFamily="18" charset="0"/>
+                            </a:rPr>
+                            <m:t>𝑋</m:t>
+                          </m:r>
+                        </m:e>
+                        <m:e>
+                          <m:r>
+                            <a:rPr lang="en-GB" sz="1200" b="0" i="1" smtClean="0">
+                              <a:latin typeface="Cambria Math" panose="02040503050406030204" pitchFamily="18" charset="0"/>
+                            </a:rPr>
+                            <m:t>𝐶</m:t>
+                          </m:r>
+                        </m:e>
+                      </m:d>
+                      <m:r>
+                        <a:rPr lang="en-GB" sz="1200" b="0" i="1" smtClean="0">
+                          <a:latin typeface="Cambria Math" panose="02040503050406030204" pitchFamily="18" charset="0"/>
+                        </a:rPr>
+                        <m:t>=0</m:t>
+                      </m:r>
+                    </m:oMath>
+                  </m:oMathPara>
+                </a14:m>
+                <a:endParaRPr lang="en-US" sz="1200" dirty="0">
+                  <a:latin typeface="FoundrySterling-Book" pitchFamily="2" charset="0"/>
+                </a:endParaRPr>
+              </a:p>
+            </p:txBody>
+          </p:sp>
+        </mc:Choice>
+        <mc:Fallback>
+          <p:sp>
+            <p:nvSpPr>
+              <p:cNvPr id="114" name="TextBox 113">
+                <a:extLst>
+                  <a:ext uri="{FF2B5EF4-FFF2-40B4-BE49-F238E27FC236}">
+                    <a16:creationId xmlns:a16="http://schemas.microsoft.com/office/drawing/2014/main" id="{2913E6D9-5C98-9A4F-9332-E73B1FEEF3BB}"/>
+                  </a:ext>
+                </a:extLst>
+              </p:cNvPr>
+              <p:cNvSpPr txBox="1">
+                <a:spLocks noRot="1" noChangeAspect="1" noMove="1" noResize="1" noEditPoints="1" noAdjustHandles="1" noChangeArrowheads="1" noChangeShapeType="1" noTextEdit="1"/>
+              </p:cNvSpPr>
+              <p:nvPr/>
+            </p:nvSpPr>
+            <p:spPr>
+              <a:xfrm>
+                <a:off x="807304" y="1362724"/>
+                <a:ext cx="985078" cy="276999"/>
+              </a:xfrm>
+              <a:prstGeom prst="rect">
+                <a:avLst/>
+              </a:prstGeom>
+              <a:blipFill>
+                <a:blip r:embed="rId17"/>
+                <a:stretch>
+                  <a:fillRect/>
+                </a:stretch>
+              </a:blipFill>
+            </p:spPr>
+            <p:txBody>
+              <a:bodyPr/>
+              <a:lstStyle/>
+              <a:p>
+                <a:r>
+                  <a:rPr lang="en-US">
+                    <a:noFill/>
+                  </a:rPr>
+                  <a:t> </a:t>
+                </a:r>
+              </a:p>
+            </p:txBody>
+          </p:sp>
+        </mc:Fallback>
+      </mc:AlternateContent>
+      <mc:AlternateContent xmlns:mc="http://schemas.openxmlformats.org/markup-compatibility/2006">
+        <mc:Choice xmlns:a14="http://schemas.microsoft.com/office/drawing/2010/main" Requires="a14">
+          <p:sp>
+            <p:nvSpPr>
+              <p:cNvPr id="115" name="TextBox 114">
+                <a:extLst>
+                  <a:ext uri="{FF2B5EF4-FFF2-40B4-BE49-F238E27FC236}">
+                    <a16:creationId xmlns:a16="http://schemas.microsoft.com/office/drawing/2014/main" id="{C7E857AA-6DF6-E147-AB39-FEF7B4791064}"/>
+                  </a:ext>
+                </a:extLst>
+              </p:cNvPr>
+              <p:cNvSpPr txBox="1"/>
+              <p:nvPr/>
+            </p:nvSpPr>
+            <p:spPr>
+              <a:xfrm>
+                <a:off x="804494" y="1687465"/>
+                <a:ext cx="985078" cy="276999"/>
+              </a:xfrm>
+              <a:prstGeom prst="rect">
+                <a:avLst/>
+              </a:prstGeom>
+              <a:noFill/>
+            </p:spPr>
+            <p:txBody>
+              <a:bodyPr wrap="none" rtlCol="0">
+                <a:spAutoFit/>
+              </a:bodyPr>
+              <a:lstStyle/>
+              <a:p>
+                <a:pPr/>
+                <a14:m>
+                  <m:oMathPara xmlns:m="http://schemas.openxmlformats.org/officeDocument/2006/math">
+                    <m:oMathParaPr>
+                      <m:jc m:val="centerGroup"/>
+                    </m:oMathParaPr>
+                    <m:oMath xmlns:m="http://schemas.openxmlformats.org/officeDocument/2006/math">
+                      <m:r>
+                        <a:rPr lang="en-GB" sz="1200" b="0" i="1" smtClean="0">
+                          <a:latin typeface="Cambria Math" panose="02040503050406030204" pitchFamily="18" charset="0"/>
+                        </a:rPr>
+                        <m:t>𝑃</m:t>
+                      </m:r>
+                      <m:d>
+                        <m:dPr>
+                          <m:ctrlPr>
+                            <a:rPr lang="en-GB" sz="1200" b="0" i="1" smtClean="0">
+                              <a:latin typeface="Cambria Math" panose="02040503050406030204" pitchFamily="18" charset="0"/>
+                            </a:rPr>
+                          </m:ctrlPr>
+                        </m:dPr>
+                        <m:e>
+                          <m:r>
+                            <a:rPr lang="en-GB" sz="1200" b="0" i="1" smtClean="0">
+                              <a:latin typeface="Cambria Math" panose="02040503050406030204" pitchFamily="18" charset="0"/>
+                            </a:rPr>
+                            <m:t>𝑋</m:t>
+                          </m:r>
+                        </m:e>
+                        <m:e>
+                          <m:r>
+                            <a:rPr lang="en-GB" sz="1200" b="0" i="1" smtClean="0">
+                              <a:latin typeface="Cambria Math" panose="02040503050406030204" pitchFamily="18" charset="0"/>
+                            </a:rPr>
+                            <m:t>𝐶</m:t>
+                          </m:r>
+                        </m:e>
+                      </m:d>
+                      <m:r>
+                        <a:rPr lang="en-GB" sz="1200" b="0" i="1" smtClean="0">
+                          <a:latin typeface="Cambria Math" panose="02040503050406030204" pitchFamily="18" charset="0"/>
+                        </a:rPr>
+                        <m:t>=1</m:t>
+                      </m:r>
+                    </m:oMath>
+                  </m:oMathPara>
+                </a14:m>
+                <a:endParaRPr lang="en-US" sz="1200" dirty="0">
+                  <a:latin typeface="FoundrySterling-Book" pitchFamily="2" charset="0"/>
+                </a:endParaRPr>
+              </a:p>
+            </p:txBody>
+          </p:sp>
+        </mc:Choice>
+        <mc:Fallback>
+          <p:sp>
+            <p:nvSpPr>
+              <p:cNvPr id="115" name="TextBox 114">
+                <a:extLst>
+                  <a:ext uri="{FF2B5EF4-FFF2-40B4-BE49-F238E27FC236}">
+                    <a16:creationId xmlns:a16="http://schemas.microsoft.com/office/drawing/2014/main" id="{C7E857AA-6DF6-E147-AB39-FEF7B4791064}"/>
+                  </a:ext>
+                </a:extLst>
+              </p:cNvPr>
+              <p:cNvSpPr txBox="1">
+                <a:spLocks noRot="1" noChangeAspect="1" noMove="1" noResize="1" noEditPoints="1" noAdjustHandles="1" noChangeArrowheads="1" noChangeShapeType="1" noTextEdit="1"/>
+              </p:cNvSpPr>
+              <p:nvPr/>
+            </p:nvSpPr>
+            <p:spPr>
+              <a:xfrm>
+                <a:off x="804494" y="1687465"/>
+                <a:ext cx="985078" cy="276999"/>
+              </a:xfrm>
+              <a:prstGeom prst="rect">
+                <a:avLst/>
+              </a:prstGeom>
+              <a:blipFill>
+                <a:blip r:embed="rId18"/>
+                <a:stretch>
+                  <a:fillRect/>
+                </a:stretch>
+              </a:blipFill>
+            </p:spPr>
+            <p:txBody>
+              <a:bodyPr/>
+              <a:lstStyle/>
+              <a:p>
+                <a:r>
+                  <a:rPr lang="en-US">
+                    <a:noFill/>
+                  </a:rPr>
+                  <a:t> </a:t>
+                </a:r>
+              </a:p>
+            </p:txBody>
+          </p:sp>
+        </mc:Fallback>
+      </mc:AlternateContent>
+      <p:sp>
+        <p:nvSpPr>
+          <p:cNvPr id="116" name="TextBox 115">
+            <a:extLst>
+              <a:ext uri="{FF2B5EF4-FFF2-40B4-BE49-F238E27FC236}">
+                <a16:creationId xmlns:a16="http://schemas.microsoft.com/office/drawing/2014/main" id="{60C205D3-7191-D142-B193-6B93F7DCF861}"/>
+              </a:ext>
+            </a:extLst>
+          </p:cNvPr>
+          <p:cNvSpPr txBox="1"/>
+          <p:nvPr/>
+        </p:nvSpPr>
+        <p:spPr>
+          <a:xfrm>
+            <a:off x="4860236" y="1606049"/>
+            <a:ext cx="2023311" cy="276999"/>
+          </a:xfrm>
+          <a:prstGeom prst="rect">
+            <a:avLst/>
+          </a:prstGeom>
+          <a:noFill/>
+        </p:spPr>
+        <p:txBody>
+          <a:bodyPr wrap="square" rtlCol="0">
+            <a:spAutoFit/>
+          </a:bodyPr>
+          <a:lstStyle/>
+          <a:p>
+            <a:r>
+              <a:rPr lang="en-US" sz="1200" dirty="0">
+                <a:solidFill>
+                  <a:srgbClr val="FF0000"/>
+                </a:solidFill>
+                <a:latin typeface="FoundrySterling-Book" pitchFamily="2" charset="0"/>
+              </a:rPr>
+              <a:t>Extends standard logic</a:t>
             </a:r>
           </a:p>
         </p:txBody>
